--- a/potato.pptx
+++ b/potato.pptx
@@ -8,7 +8,7 @@
     <p:sldMasterId id="2147483687" r:id="rId4"/>
   </p:sldMasterIdLst>
   <p:notesMasterIdLst>
-    <p:notesMasterId r:id="rId15"/>
+    <p:notesMasterId r:id="rId21"/>
   </p:notesMasterIdLst>
   <p:sldIdLst>
     <p:sldId id="256" r:id="rId5"/>
@@ -21,6 +21,12 @@
     <p:sldId id="263" r:id="rId12"/>
     <p:sldId id="266" r:id="rId13"/>
     <p:sldId id="267" r:id="rId14"/>
+    <p:sldId id="268" r:id="rId15"/>
+    <p:sldId id="271" r:id="rId16"/>
+    <p:sldId id="273" r:id="rId17"/>
+    <p:sldId id="269" r:id="rId18"/>
+    <p:sldId id="270" r:id="rId19"/>
+    <p:sldId id="272" r:id="rId20"/>
   </p:sldIdLst>
   <p:sldSz cx="10080625" cy="5670550"/>
   <p:notesSz cx="7559675" cy="10691813"/>
@@ -119,6 +125,11 @@
       </a:defRPr>
     </a:lvl9pPr>
   </p:defaultTextStyle>
+  <p:extLst>
+    <p:ext uri="{EFAFB233-063F-42B5-8137-9DF3F51BA10A}">
+      <p15:sldGuideLst xmlns:p15="http://schemas.microsoft.com/office/powerpoint/2012/main"/>
+    </p:ext>
+  </p:extLst>
 </p:presentation>
 </file>
 
@@ -258,7 +269,7 @@
             <a:fld id="{331062C7-2560-4348-BA0E-70C84E788082}" type="datetime1">
               <a:rPr lang="en-US"/>
               <a:pPr lvl="0"/>
-              <a:t>12/29/2020</a:t>
+              <a:t>1/5/2021</a:t>
             </a:fld>
             <a:endParaRPr lang="en-US"/>
           </a:p>
@@ -776,14 +787,6 @@
   <p:clrMapOvr>
     <a:masterClrMapping/>
   </p:clrMapOvr>
-  <mc:AlternateContent xmlns:mc="http://schemas.openxmlformats.org/markup-compatibility/2006">
-    <mc:Choice xmlns:p14="http://schemas.microsoft.com/office/powerpoint/2010/main" Requires="p14">
-      <p:transition spd="slow" p14:dur="2000"/>
-    </mc:Choice>
-    <mc:Fallback>
-      <p:transition spd="slow"/>
-    </mc:Fallback>
-  </mc:AlternateContent>
   <p:hf sldNum="0" hdr="0" ftr="0" dt="0"/>
 </p:sldLayout>
 </file>
@@ -909,14 +912,6 @@
   <p:clrMapOvr>
     <a:masterClrMapping/>
   </p:clrMapOvr>
-  <mc:AlternateContent xmlns:mc="http://schemas.openxmlformats.org/markup-compatibility/2006">
-    <mc:Choice xmlns:p14="http://schemas.microsoft.com/office/powerpoint/2010/main" Requires="p14">
-      <p:transition spd="slow" p14:dur="2000"/>
-    </mc:Choice>
-    <mc:Fallback>
-      <p:transition spd="slow"/>
-    </mc:Fallback>
-  </mc:AlternateContent>
 </p:sldLayout>
 </file>
 
@@ -1111,14 +1106,6 @@
   <p:clrMapOvr>
     <a:masterClrMapping/>
   </p:clrMapOvr>
-  <mc:AlternateContent xmlns:mc="http://schemas.openxmlformats.org/markup-compatibility/2006">
-    <mc:Choice xmlns:p14="http://schemas.microsoft.com/office/powerpoint/2010/main" Requires="p14">
-      <p:transition spd="slow" p14:dur="2000"/>
-    </mc:Choice>
-    <mc:Fallback>
-      <p:transition spd="slow"/>
-    </mc:Fallback>
-  </mc:AlternateContent>
 </p:sldLayout>
 </file>
 
@@ -1383,14 +1370,6 @@
   <p:clrMapOvr>
     <a:masterClrMapping/>
   </p:clrMapOvr>
-  <mc:AlternateContent xmlns:mc="http://schemas.openxmlformats.org/markup-compatibility/2006">
-    <mc:Choice xmlns:p14="http://schemas.microsoft.com/office/powerpoint/2010/main" Requires="p14">
-      <p:transition spd="slow" p14:dur="2000"/>
-    </mc:Choice>
-    <mc:Fallback>
-      <p:transition spd="slow"/>
-    </mc:Fallback>
-  </mc:AlternateContent>
 </p:sldLayout>
 </file>
 
@@ -1421,14 +1400,6 @@
   <p:clrMapOvr>
     <a:masterClrMapping/>
   </p:clrMapOvr>
-  <mc:AlternateContent xmlns:mc="http://schemas.openxmlformats.org/markup-compatibility/2006">
-    <mc:Choice xmlns:p14="http://schemas.microsoft.com/office/powerpoint/2010/main" Requires="p14">
-      <p:transition spd="slow" p14:dur="2000"/>
-    </mc:Choice>
-    <mc:Fallback>
-      <p:transition spd="slow"/>
-    </mc:Fallback>
-  </mc:AlternateContent>
 </p:sldLayout>
 </file>
 
@@ -1533,14 +1504,6 @@
   <p:clrMapOvr>
     <a:masterClrMapping/>
   </p:clrMapOvr>
-  <mc:AlternateContent xmlns:mc="http://schemas.openxmlformats.org/markup-compatibility/2006">
-    <mc:Choice xmlns:p14="http://schemas.microsoft.com/office/powerpoint/2010/main" Requires="p14">
-      <p:transition spd="slow" p14:dur="2000"/>
-    </mc:Choice>
-    <mc:Fallback>
-      <p:transition spd="slow"/>
-    </mc:Fallback>
-  </mc:AlternateContent>
 </p:sldLayout>
 </file>
 
@@ -1643,14 +1606,6 @@
   <p:clrMapOvr>
     <a:masterClrMapping/>
   </p:clrMapOvr>
-  <mc:AlternateContent xmlns:mc="http://schemas.openxmlformats.org/markup-compatibility/2006">
-    <mc:Choice xmlns:p14="http://schemas.microsoft.com/office/powerpoint/2010/main" Requires="p14">
-      <p:transition spd="slow" p14:dur="2000"/>
-    </mc:Choice>
-    <mc:Fallback>
-      <p:transition spd="slow"/>
-    </mc:Fallback>
-  </mc:AlternateContent>
   <p:hf sldNum="0" hdr="0" ftr="0" dt="0"/>
 </p:sldLayout>
 </file>
@@ -1793,14 +1748,6 @@
   <p:clrMapOvr>
     <a:masterClrMapping/>
   </p:clrMapOvr>
-  <mc:AlternateContent xmlns:mc="http://schemas.openxmlformats.org/markup-compatibility/2006">
-    <mc:Choice xmlns:p14="http://schemas.microsoft.com/office/powerpoint/2010/main" Requires="p14">
-      <p:transition spd="slow" p14:dur="2000"/>
-    </mc:Choice>
-    <mc:Fallback>
-      <p:transition spd="slow"/>
-    </mc:Fallback>
-  </mc:AlternateContent>
 </p:sldLayout>
 </file>
 
@@ -1864,14 +1811,6 @@
   <p:clrMapOvr>
     <a:masterClrMapping/>
   </p:clrMapOvr>
-  <mc:AlternateContent xmlns:mc="http://schemas.openxmlformats.org/markup-compatibility/2006">
-    <mc:Choice xmlns:p14="http://schemas.microsoft.com/office/powerpoint/2010/main" Requires="p14">
-      <p:transition spd="slow" p14:dur="2000"/>
-    </mc:Choice>
-    <mc:Fallback>
-      <p:transition spd="slow"/>
-    </mc:Fallback>
-  </mc:AlternateContent>
 </p:sldLayout>
 </file>
 
@@ -1943,14 +1882,6 @@
   <p:clrMapOvr>
     <a:masterClrMapping/>
   </p:clrMapOvr>
-  <mc:AlternateContent xmlns:mc="http://schemas.openxmlformats.org/markup-compatibility/2006">
-    <mc:Choice xmlns:p14="http://schemas.microsoft.com/office/powerpoint/2010/main" Requires="p14">
-      <p:transition spd="slow" p14:dur="2000"/>
-    </mc:Choice>
-    <mc:Fallback>
-      <p:transition spd="slow"/>
-    </mc:Fallback>
-  </mc:AlternateContent>
 </p:sldLayout>
 </file>
 
@@ -2131,14 +2062,6 @@
   <p:clrMapOvr>
     <a:masterClrMapping/>
   </p:clrMapOvr>
-  <mc:AlternateContent xmlns:mc="http://schemas.openxmlformats.org/markup-compatibility/2006">
-    <mc:Choice xmlns:p14="http://schemas.microsoft.com/office/powerpoint/2010/main" Requires="p14">
-      <p:transition spd="slow" p14:dur="2000"/>
-    </mc:Choice>
-    <mc:Fallback>
-      <p:transition spd="slow"/>
-    </mc:Fallback>
-  </mc:AlternateContent>
 </p:sldLayout>
 </file>
 
@@ -2225,14 +2148,6 @@
   <p:clrMapOvr>
     <a:masterClrMapping/>
   </p:clrMapOvr>
-  <mc:AlternateContent xmlns:mc="http://schemas.openxmlformats.org/markup-compatibility/2006">
-    <mc:Choice xmlns:p14="http://schemas.microsoft.com/office/powerpoint/2010/main" Requires="p14">
-      <p:transition spd="slow" p14:dur="2000"/>
-    </mc:Choice>
-    <mc:Fallback>
-      <p:transition spd="slow"/>
-    </mc:Fallback>
-  </mc:AlternateContent>
   <p:hf sldNum="0" hdr="0" ftr="0" dt="0"/>
 </p:sldLayout>
 </file>
@@ -2414,14 +2329,6 @@
   <p:clrMapOvr>
     <a:masterClrMapping/>
   </p:clrMapOvr>
-  <mc:AlternateContent xmlns:mc="http://schemas.openxmlformats.org/markup-compatibility/2006">
-    <mc:Choice xmlns:p14="http://schemas.microsoft.com/office/powerpoint/2010/main" Requires="p14">
-      <p:transition spd="slow" p14:dur="2000"/>
-    </mc:Choice>
-    <mc:Fallback>
-      <p:transition spd="slow"/>
-    </mc:Fallback>
-  </mc:AlternateContent>
 </p:sldLayout>
 </file>
 
@@ -2602,14 +2509,6 @@
   <p:clrMapOvr>
     <a:masterClrMapping/>
   </p:clrMapOvr>
-  <mc:AlternateContent xmlns:mc="http://schemas.openxmlformats.org/markup-compatibility/2006">
-    <mc:Choice xmlns:p14="http://schemas.microsoft.com/office/powerpoint/2010/main" Requires="p14">
-      <p:transition spd="slow" p14:dur="2000"/>
-    </mc:Choice>
-    <mc:Fallback>
-      <p:transition spd="slow"/>
-    </mc:Fallback>
-  </mc:AlternateContent>
 </p:sldLayout>
 </file>
 
@@ -2751,14 +2650,6 @@
   <p:clrMapOvr>
     <a:masterClrMapping/>
   </p:clrMapOvr>
-  <mc:AlternateContent xmlns:mc="http://schemas.openxmlformats.org/markup-compatibility/2006">
-    <mc:Choice xmlns:p14="http://schemas.microsoft.com/office/powerpoint/2010/main" Requires="p14">
-      <p:transition spd="slow" p14:dur="2000"/>
-    </mc:Choice>
-    <mc:Fallback>
-      <p:transition spd="slow"/>
-    </mc:Fallback>
-  </mc:AlternateContent>
 </p:sldLayout>
 </file>
 
@@ -2978,14 +2869,6 @@
   <p:clrMapOvr>
     <a:masterClrMapping/>
   </p:clrMapOvr>
-  <mc:AlternateContent xmlns:mc="http://schemas.openxmlformats.org/markup-compatibility/2006">
-    <mc:Choice xmlns:p14="http://schemas.microsoft.com/office/powerpoint/2010/main" Requires="p14">
-      <p:transition spd="slow" p14:dur="2000"/>
-    </mc:Choice>
-    <mc:Fallback>
-      <p:transition spd="slow"/>
-    </mc:Fallback>
-  </mc:AlternateContent>
 </p:sldLayout>
 </file>
 
@@ -3283,14 +3166,6 @@
   <p:clrMapOvr>
     <a:masterClrMapping/>
   </p:clrMapOvr>
-  <mc:AlternateContent xmlns:mc="http://schemas.openxmlformats.org/markup-compatibility/2006">
-    <mc:Choice xmlns:p14="http://schemas.microsoft.com/office/powerpoint/2010/main" Requires="p14">
-      <p:transition spd="slow" p14:dur="2000"/>
-    </mc:Choice>
-    <mc:Fallback>
-      <p:transition spd="slow"/>
-    </mc:Fallback>
-  </mc:AlternateContent>
 </p:sldLayout>
 </file>
 
@@ -3321,14 +3196,6 @@
   <p:clrMapOvr>
     <a:masterClrMapping/>
   </p:clrMapOvr>
-  <mc:AlternateContent xmlns:mc="http://schemas.openxmlformats.org/markup-compatibility/2006">
-    <mc:Choice xmlns:p14="http://schemas.microsoft.com/office/powerpoint/2010/main" Requires="p14">
-      <p:transition spd="slow" p14:dur="2000"/>
-    </mc:Choice>
-    <mc:Fallback>
-      <p:transition spd="slow"/>
-    </mc:Fallback>
-  </mc:AlternateContent>
 </p:sldLayout>
 </file>
 
@@ -3415,14 +3282,6 @@
   <p:clrMapOvr>
     <a:masterClrMapping/>
   </p:clrMapOvr>
-  <mc:AlternateContent xmlns:mc="http://schemas.openxmlformats.org/markup-compatibility/2006">
-    <mc:Choice xmlns:p14="http://schemas.microsoft.com/office/powerpoint/2010/main" Requires="p14">
-      <p:transition spd="slow" p14:dur="2000"/>
-    </mc:Choice>
-    <mc:Fallback>
-      <p:transition spd="slow"/>
-    </mc:Fallback>
-  </mc:AlternateContent>
 </p:sldLayout>
 </file>
 
@@ -3507,14 +3366,6 @@
   <p:clrMapOvr>
     <a:masterClrMapping/>
   </p:clrMapOvr>
-  <mc:AlternateContent xmlns:mc="http://schemas.openxmlformats.org/markup-compatibility/2006">
-    <mc:Choice xmlns:p14="http://schemas.microsoft.com/office/powerpoint/2010/main" Requires="p14">
-      <p:transition spd="slow" p14:dur="2000"/>
-    </mc:Choice>
-    <mc:Fallback>
-      <p:transition spd="slow"/>
-    </mc:Fallback>
-  </mc:AlternateContent>
 </p:sldLayout>
 </file>
 
@@ -3639,14 +3490,6 @@
   <p:clrMapOvr>
     <a:masterClrMapping/>
   </p:clrMapOvr>
-  <mc:AlternateContent xmlns:mc="http://schemas.openxmlformats.org/markup-compatibility/2006">
-    <mc:Choice xmlns:p14="http://schemas.microsoft.com/office/powerpoint/2010/main" Requires="p14">
-      <p:transition spd="slow" p14:dur="2000"/>
-    </mc:Choice>
-    <mc:Fallback>
-      <p:transition spd="slow"/>
-    </mc:Fallback>
-  </mc:AlternateContent>
 </p:sldLayout>
 </file>
 
@@ -3701,14 +3544,6 @@
   <p:clrMapOvr>
     <a:masterClrMapping/>
   </p:clrMapOvr>
-  <mc:AlternateContent xmlns:mc="http://schemas.openxmlformats.org/markup-compatibility/2006">
-    <mc:Choice xmlns:p14="http://schemas.microsoft.com/office/powerpoint/2010/main" Requires="p14">
-      <p:transition spd="slow" p14:dur="2000"/>
-    </mc:Choice>
-    <mc:Fallback>
-      <p:transition spd="slow"/>
-    </mc:Fallback>
-  </mc:AlternateContent>
 </p:sldLayout>
 </file>
 
@@ -3793,14 +3628,6 @@
   <p:clrMapOvr>
     <a:masterClrMapping/>
   </p:clrMapOvr>
-  <mc:AlternateContent xmlns:mc="http://schemas.openxmlformats.org/markup-compatibility/2006">
-    <mc:Choice xmlns:p14="http://schemas.microsoft.com/office/powerpoint/2010/main" Requires="p14">
-      <p:transition spd="slow" p14:dur="2000"/>
-    </mc:Choice>
-    <mc:Fallback>
-      <p:transition spd="slow"/>
-    </mc:Fallback>
-  </mc:AlternateContent>
 </p:sldLayout>
 </file>
 
@@ -3868,14 +3695,6 @@
   <p:clrMapOvr>
     <a:masterClrMapping/>
   </p:clrMapOvr>
-  <mc:AlternateContent xmlns:mc="http://schemas.openxmlformats.org/markup-compatibility/2006">
-    <mc:Choice xmlns:p14="http://schemas.microsoft.com/office/powerpoint/2010/main" Requires="p14">
-      <p:transition spd="slow" p14:dur="2000"/>
-    </mc:Choice>
-    <mc:Fallback>
-      <p:transition spd="slow"/>
-    </mc:Fallback>
-  </mc:AlternateContent>
 </p:sldLayout>
 </file>
 
@@ -4035,14 +3854,6 @@
   <p:clrMapOvr>
     <a:masterClrMapping/>
   </p:clrMapOvr>
-  <mc:AlternateContent xmlns:mc="http://schemas.openxmlformats.org/markup-compatibility/2006">
-    <mc:Choice xmlns:p14="http://schemas.microsoft.com/office/powerpoint/2010/main" Requires="p14">
-      <p:transition spd="slow" p14:dur="2000"/>
-    </mc:Choice>
-    <mc:Fallback>
-      <p:transition spd="slow"/>
-    </mc:Fallback>
-  </mc:AlternateContent>
 </p:sldLayout>
 </file>
 
@@ -4202,14 +4013,6 @@
   <p:clrMapOvr>
     <a:masterClrMapping/>
   </p:clrMapOvr>
-  <mc:AlternateContent xmlns:mc="http://schemas.openxmlformats.org/markup-compatibility/2006">
-    <mc:Choice xmlns:p14="http://schemas.microsoft.com/office/powerpoint/2010/main" Requires="p14">
-      <p:transition spd="slow" p14:dur="2000"/>
-    </mc:Choice>
-    <mc:Fallback>
-      <p:transition spd="slow"/>
-    </mc:Fallback>
-  </mc:AlternateContent>
 </p:sldLayout>
 </file>
 
@@ -4369,14 +4172,6 @@
   <p:clrMapOvr>
     <a:masterClrMapping/>
   </p:clrMapOvr>
-  <mc:AlternateContent xmlns:mc="http://schemas.openxmlformats.org/markup-compatibility/2006">
-    <mc:Choice xmlns:p14="http://schemas.microsoft.com/office/powerpoint/2010/main" Requires="p14">
-      <p:transition spd="slow" p14:dur="2000"/>
-    </mc:Choice>
-    <mc:Fallback>
-      <p:transition spd="slow"/>
-    </mc:Fallback>
-  </mc:AlternateContent>
 </p:sldLayout>
 </file>
 
@@ -4501,14 +4296,6 @@
   <p:clrMapOvr>
     <a:masterClrMapping/>
   </p:clrMapOvr>
-  <mc:AlternateContent xmlns:mc="http://schemas.openxmlformats.org/markup-compatibility/2006">
-    <mc:Choice xmlns:p14="http://schemas.microsoft.com/office/powerpoint/2010/main" Requires="p14">
-      <p:transition spd="slow" p14:dur="2000"/>
-    </mc:Choice>
-    <mc:Fallback>
-      <p:transition spd="slow"/>
-    </mc:Fallback>
-  </mc:AlternateContent>
 </p:sldLayout>
 </file>
 
@@ -4703,14 +4490,6 @@
   <p:clrMapOvr>
     <a:masterClrMapping/>
   </p:clrMapOvr>
-  <mc:AlternateContent xmlns:mc="http://schemas.openxmlformats.org/markup-compatibility/2006">
-    <mc:Choice xmlns:p14="http://schemas.microsoft.com/office/powerpoint/2010/main" Requires="p14">
-      <p:transition spd="slow" p14:dur="2000"/>
-    </mc:Choice>
-    <mc:Fallback>
-      <p:transition spd="slow"/>
-    </mc:Fallback>
-  </mc:AlternateContent>
 </p:sldLayout>
 </file>
 
@@ -4975,14 +4754,6 @@
   <p:clrMapOvr>
     <a:masterClrMapping/>
   </p:clrMapOvr>
-  <mc:AlternateContent xmlns:mc="http://schemas.openxmlformats.org/markup-compatibility/2006">
-    <mc:Choice xmlns:p14="http://schemas.microsoft.com/office/powerpoint/2010/main" Requires="p14">
-      <p:transition spd="slow" p14:dur="2000"/>
-    </mc:Choice>
-    <mc:Fallback>
-      <p:transition spd="slow"/>
-    </mc:Fallback>
-  </mc:AlternateContent>
 </p:sldLayout>
 </file>
 
@@ -5013,14 +4784,6 @@
   <p:clrMapOvr>
     <a:masterClrMapping/>
   </p:clrMapOvr>
-  <mc:AlternateContent xmlns:mc="http://schemas.openxmlformats.org/markup-compatibility/2006">
-    <mc:Choice xmlns:p14="http://schemas.microsoft.com/office/powerpoint/2010/main" Requires="p14">
-      <p:transition spd="slow" p14:dur="2000"/>
-    </mc:Choice>
-    <mc:Fallback>
-      <p:transition spd="slow"/>
-    </mc:Fallback>
-  </mc:AlternateContent>
 </p:sldLayout>
 </file>
 
@@ -5125,14 +4888,6 @@
   <p:clrMapOvr>
     <a:masterClrMapping/>
   </p:clrMapOvr>
-  <mc:AlternateContent xmlns:mc="http://schemas.openxmlformats.org/markup-compatibility/2006">
-    <mc:Choice xmlns:p14="http://schemas.microsoft.com/office/powerpoint/2010/main" Requires="p14">
-      <p:transition spd="slow" p14:dur="2000"/>
-    </mc:Choice>
-    <mc:Fallback>
-      <p:transition spd="slow"/>
-    </mc:Fallback>
-  </mc:AlternateContent>
 </p:sldLayout>
 </file>
 
@@ -5235,14 +4990,6 @@
   <p:clrMapOvr>
     <a:masterClrMapping/>
   </p:clrMapOvr>
-  <mc:AlternateContent xmlns:mc="http://schemas.openxmlformats.org/markup-compatibility/2006">
-    <mc:Choice xmlns:p14="http://schemas.microsoft.com/office/powerpoint/2010/main" Requires="p14">
-      <p:transition spd="slow" p14:dur="2000"/>
-    </mc:Choice>
-    <mc:Fallback>
-      <p:transition spd="slow"/>
-    </mc:Fallback>
-  </mc:AlternateContent>
 </p:sldLayout>
 </file>
 
@@ -5367,14 +5114,6 @@
   <p:clrMapOvr>
     <a:masterClrMapping/>
   </p:clrMapOvr>
-  <mc:AlternateContent xmlns:mc="http://schemas.openxmlformats.org/markup-compatibility/2006">
-    <mc:Choice xmlns:p14="http://schemas.microsoft.com/office/powerpoint/2010/main" Requires="p14">
-      <p:transition spd="slow" p14:dur="2000"/>
-    </mc:Choice>
-    <mc:Fallback>
-      <p:transition spd="slow"/>
-    </mc:Fallback>
-  </mc:AlternateContent>
 </p:sldLayout>
 </file>
 
@@ -5516,14 +5255,6 @@
   <p:clrMapOvr>
     <a:masterClrMapping/>
   </p:clrMapOvr>
-  <mc:AlternateContent xmlns:mc="http://schemas.openxmlformats.org/markup-compatibility/2006">
-    <mc:Choice xmlns:p14="http://schemas.microsoft.com/office/powerpoint/2010/main" Requires="p14">
-      <p:transition spd="slow" p14:dur="2000"/>
-    </mc:Choice>
-    <mc:Fallback>
-      <p:transition spd="slow"/>
-    </mc:Fallback>
-  </mc:AlternateContent>
 </p:sldLayout>
 </file>
 
@@ -5587,14 +5318,6 @@
   <p:clrMapOvr>
     <a:masterClrMapping/>
   </p:clrMapOvr>
-  <mc:AlternateContent xmlns:mc="http://schemas.openxmlformats.org/markup-compatibility/2006">
-    <mc:Choice xmlns:p14="http://schemas.microsoft.com/office/powerpoint/2010/main" Requires="p14">
-      <p:transition spd="slow" p14:dur="2000"/>
-    </mc:Choice>
-    <mc:Fallback>
-      <p:transition spd="slow"/>
-    </mc:Fallback>
-  </mc:AlternateContent>
 </p:sldLayout>
 </file>
 
@@ -5666,14 +5389,6 @@
   <p:clrMapOvr>
     <a:masterClrMapping/>
   </p:clrMapOvr>
-  <mc:AlternateContent xmlns:mc="http://schemas.openxmlformats.org/markup-compatibility/2006">
-    <mc:Choice xmlns:p14="http://schemas.microsoft.com/office/powerpoint/2010/main" Requires="p14">
-      <p:transition spd="slow" p14:dur="2000"/>
-    </mc:Choice>
-    <mc:Fallback>
-      <p:transition spd="slow"/>
-    </mc:Fallback>
-  </mc:AlternateContent>
 </p:sldLayout>
 </file>
 
@@ -5854,14 +5569,6 @@
   <p:clrMapOvr>
     <a:masterClrMapping/>
   </p:clrMapOvr>
-  <mc:AlternateContent xmlns:mc="http://schemas.openxmlformats.org/markup-compatibility/2006">
-    <mc:Choice xmlns:p14="http://schemas.microsoft.com/office/powerpoint/2010/main" Requires="p14">
-      <p:transition spd="slow" p14:dur="2000"/>
-    </mc:Choice>
-    <mc:Fallback>
-      <p:transition spd="slow"/>
-    </mc:Fallback>
-  </mc:AlternateContent>
 </p:sldLayout>
 </file>
 
@@ -6042,14 +5749,6 @@
   <p:clrMapOvr>
     <a:masterClrMapping/>
   </p:clrMapOvr>
-  <mc:AlternateContent xmlns:mc="http://schemas.openxmlformats.org/markup-compatibility/2006">
-    <mc:Choice xmlns:p14="http://schemas.microsoft.com/office/powerpoint/2010/main" Requires="p14">
-      <p:transition spd="slow" p14:dur="2000"/>
-    </mc:Choice>
-    <mc:Fallback>
-      <p:transition spd="slow"/>
-    </mc:Fallback>
-  </mc:AlternateContent>
 </p:sldLayout>
 </file>
 
@@ -6230,14 +5929,6 @@
   <p:clrMapOvr>
     <a:masterClrMapping/>
   </p:clrMapOvr>
-  <mc:AlternateContent xmlns:mc="http://schemas.openxmlformats.org/markup-compatibility/2006">
-    <mc:Choice xmlns:p14="http://schemas.microsoft.com/office/powerpoint/2010/main" Requires="p14">
-      <p:transition spd="slow" p14:dur="2000"/>
-    </mc:Choice>
-    <mc:Fallback>
-      <p:transition spd="slow"/>
-    </mc:Fallback>
-  </mc:AlternateContent>
 </p:sldLayout>
 </file>
 
@@ -6379,14 +6070,6 @@
   <p:clrMapOvr>
     <a:masterClrMapping/>
   </p:clrMapOvr>
-  <mc:AlternateContent xmlns:mc="http://schemas.openxmlformats.org/markup-compatibility/2006">
-    <mc:Choice xmlns:p14="http://schemas.microsoft.com/office/powerpoint/2010/main" Requires="p14">
-      <p:transition spd="slow" p14:dur="2000"/>
-    </mc:Choice>
-    <mc:Fallback>
-      <p:transition spd="slow"/>
-    </mc:Fallback>
-  </mc:AlternateContent>
 </p:sldLayout>
 </file>
 
@@ -6606,14 +6289,6 @@
   <p:clrMapOvr>
     <a:masterClrMapping/>
   </p:clrMapOvr>
-  <mc:AlternateContent xmlns:mc="http://schemas.openxmlformats.org/markup-compatibility/2006">
-    <mc:Choice xmlns:p14="http://schemas.microsoft.com/office/powerpoint/2010/main" Requires="p14">
-      <p:transition spd="slow" p14:dur="2000"/>
-    </mc:Choice>
-    <mc:Fallback>
-      <p:transition spd="slow"/>
-    </mc:Fallback>
-  </mc:AlternateContent>
 </p:sldLayout>
 </file>
 
@@ -6911,14 +6586,6 @@
   <p:clrMapOvr>
     <a:masterClrMapping/>
   </p:clrMapOvr>
-  <mc:AlternateContent xmlns:mc="http://schemas.openxmlformats.org/markup-compatibility/2006">
-    <mc:Choice xmlns:p14="http://schemas.microsoft.com/office/powerpoint/2010/main" Requires="p14">
-      <p:transition spd="slow" p14:dur="2000"/>
-    </mc:Choice>
-    <mc:Fallback>
-      <p:transition spd="slow"/>
-    </mc:Fallback>
-  </mc:AlternateContent>
 </p:sldLayout>
 </file>
 
@@ -6973,14 +6640,6 @@
   <p:clrMapOvr>
     <a:masterClrMapping/>
   </p:clrMapOvr>
-  <mc:AlternateContent xmlns:mc="http://schemas.openxmlformats.org/markup-compatibility/2006">
-    <mc:Choice xmlns:p14="http://schemas.microsoft.com/office/powerpoint/2010/main" Requires="p14">
-      <p:transition spd="slow" p14:dur="2000"/>
-    </mc:Choice>
-    <mc:Fallback>
-      <p:transition spd="slow"/>
-    </mc:Fallback>
-  </mc:AlternateContent>
 </p:sldLayout>
 </file>
 
@@ -7048,14 +6707,6 @@
   <p:clrMapOvr>
     <a:masterClrMapping/>
   </p:clrMapOvr>
-  <mc:AlternateContent xmlns:mc="http://schemas.openxmlformats.org/markup-compatibility/2006">
-    <mc:Choice xmlns:p14="http://schemas.microsoft.com/office/powerpoint/2010/main" Requires="p14">
-      <p:transition spd="slow" p14:dur="2000"/>
-    </mc:Choice>
-    <mc:Fallback>
-      <p:transition spd="slow"/>
-    </mc:Fallback>
-  </mc:AlternateContent>
 </p:sldLayout>
 </file>
 
@@ -7215,14 +6866,6 @@
   <p:clrMapOvr>
     <a:masterClrMapping/>
   </p:clrMapOvr>
-  <mc:AlternateContent xmlns:mc="http://schemas.openxmlformats.org/markup-compatibility/2006">
-    <mc:Choice xmlns:p14="http://schemas.microsoft.com/office/powerpoint/2010/main" Requires="p14">
-      <p:transition spd="slow" p14:dur="2000"/>
-    </mc:Choice>
-    <mc:Fallback>
-      <p:transition spd="slow"/>
-    </mc:Fallback>
-  </mc:AlternateContent>
 </p:sldLayout>
 </file>
 
@@ -7382,14 +7025,6 @@
   <p:clrMapOvr>
     <a:masterClrMapping/>
   </p:clrMapOvr>
-  <mc:AlternateContent xmlns:mc="http://schemas.openxmlformats.org/markup-compatibility/2006">
-    <mc:Choice xmlns:p14="http://schemas.microsoft.com/office/powerpoint/2010/main" Requires="p14">
-      <p:transition spd="slow" p14:dur="2000"/>
-    </mc:Choice>
-    <mc:Fallback>
-      <p:transition spd="slow"/>
-    </mc:Fallback>
-  </mc:AlternateContent>
 </p:sldLayout>
 </file>
 
@@ -7549,14 +7184,6 @@
   <p:clrMapOvr>
     <a:masterClrMapping/>
   </p:clrMapOvr>
-  <mc:AlternateContent xmlns:mc="http://schemas.openxmlformats.org/markup-compatibility/2006">
-    <mc:Choice xmlns:p14="http://schemas.microsoft.com/office/powerpoint/2010/main" Requires="p14">
-      <p:transition spd="slow" p14:dur="2000"/>
-    </mc:Choice>
-    <mc:Fallback>
-      <p:transition spd="slow"/>
-    </mc:Fallback>
-  </mc:AlternateContent>
 </p:sldLayout>
 </file>
 
@@ -7909,14 +7536,6 @@
     <p:sldLayoutId id="2147483659" r:id="rId11"/>
     <p:sldLayoutId id="2147483660" r:id="rId12"/>
   </p:sldLayoutIdLst>
-  <mc:AlternateContent xmlns:mc="http://schemas.openxmlformats.org/markup-compatibility/2006">
-    <mc:Choice xmlns:p14="http://schemas.microsoft.com/office/powerpoint/2010/main" Requires="p14">
-      <p:transition spd="slow" p14:dur="2000"/>
-    </mc:Choice>
-    <mc:Fallback>
-      <p:transition spd="slow"/>
-    </mc:Fallback>
-  </mc:AlternateContent>
   <p:txStyles>
     <p:titleStyle>
       <a:lvl1pPr marL="0" marR="0" lvl="0" indent="0" algn="ctr" defTabSz="914400" rtl="0" fontAlgn="auto" hangingPunct="1">
@@ -8617,14 +8236,6 @@
     <p:sldLayoutId id="2147483672" r:id="rId11"/>
     <p:sldLayoutId id="2147483673" r:id="rId12"/>
   </p:sldLayoutIdLst>
-  <mc:AlternateContent xmlns:mc="http://schemas.openxmlformats.org/markup-compatibility/2006">
-    <mc:Choice xmlns:p14="http://schemas.microsoft.com/office/powerpoint/2010/main" Requires="p14">
-      <p:transition spd="slow" p14:dur="2000"/>
-    </mc:Choice>
-    <mc:Fallback>
-      <p:transition spd="slow"/>
-    </mc:Fallback>
-  </mc:AlternateContent>
   <p:txStyles>
     <p:titleStyle>
       <a:lvl1pPr marL="0" marR="0" lvl="0" indent="0" algn="ctr" defTabSz="914400" rtl="0" fontAlgn="auto" hangingPunct="1">
@@ -9325,14 +8936,6 @@
     <p:sldLayoutId id="2147483685" r:id="rId11"/>
     <p:sldLayoutId id="2147483686" r:id="rId12"/>
   </p:sldLayoutIdLst>
-  <mc:AlternateContent xmlns:mc="http://schemas.openxmlformats.org/markup-compatibility/2006">
-    <mc:Choice xmlns:p14="http://schemas.microsoft.com/office/powerpoint/2010/main" Requires="p14">
-      <p:transition spd="slow" p14:dur="2000"/>
-    </mc:Choice>
-    <mc:Fallback>
-      <p:transition spd="slow"/>
-    </mc:Fallback>
-  </mc:AlternateContent>
   <p:txStyles>
     <p:titleStyle>
       <a:lvl1pPr marL="0" marR="0" lvl="0" indent="0" algn="ctr" defTabSz="914400" rtl="0" fontAlgn="auto" hangingPunct="1">
@@ -10033,14 +9636,6 @@
     <p:sldLayoutId id="2147483698" r:id="rId11"/>
     <p:sldLayoutId id="2147483699" r:id="rId12"/>
   </p:sldLayoutIdLst>
-  <mc:AlternateContent xmlns:mc="http://schemas.openxmlformats.org/markup-compatibility/2006">
-    <mc:Choice xmlns:p14="http://schemas.microsoft.com/office/powerpoint/2010/main" Requires="p14">
-      <p:transition spd="slow" p14:dur="2000"/>
-    </mc:Choice>
-    <mc:Fallback>
-      <p:transition spd="slow"/>
-    </mc:Fallback>
-  </mc:AlternateContent>
   <p:txStyles>
     <p:titleStyle>
       <a:lvl1pPr marL="0" marR="0" lvl="0" indent="0" algn="ctr" defTabSz="914400" rtl="0" fontAlgn="auto" hangingPunct="1">
@@ -10751,14 +10346,6 @@
   <p:clrMapOvr>
     <a:masterClrMapping/>
   </p:clrMapOvr>
-  <mc:AlternateContent xmlns:mc="http://schemas.openxmlformats.org/markup-compatibility/2006">
-    <mc:Choice xmlns:p14="http://schemas.microsoft.com/office/powerpoint/2010/main" Requires="p14">
-      <p:transition spd="slow" p14:dur="2000"/>
-    </mc:Choice>
-    <mc:Fallback>
-      <p:transition spd="slow"/>
-    </mc:Fallback>
-  </mc:AlternateContent>
 </p:sld>
 </file>
 
@@ -10779,25 +10366,6 @@
           <a:chExt cx="0" cy="0"/>
         </a:xfrm>
       </p:grpSpPr>
-      <p:sp>
-        <p:nvSpPr>
-          <p:cNvPr id="2" name="標題 1"/>
-          <p:cNvSpPr>
-            <a:spLocks noGrp="1"/>
-          </p:cNvSpPr>
-          <p:nvPr>
-            <p:ph type="title"/>
-          </p:nvPr>
-        </p:nvSpPr>
-        <p:spPr/>
-        <p:txBody>
-          <a:bodyPr/>
-          <a:lstStyle/>
-          <a:p>
-            <a:endParaRPr lang="zh-TW" altLang="en-US"/>
-          </a:p>
-        </p:txBody>
-      </p:sp>
       <p:pic>
         <p:nvPicPr>
           <p:cNvPr id="4" name="內容版面配置區 3"/>
@@ -10816,14 +10384,87 @@
         </p:blipFill>
         <p:spPr>
           <a:xfrm>
-            <a:off x="660615" y="1548227"/>
-            <a:ext cx="2105216" cy="2752725"/>
+            <a:off x="1673165" y="317484"/>
+            <a:ext cx="3851089" cy="5035581"/>
           </a:xfrm>
           <a:prstGeom prst="rect">
             <a:avLst/>
           </a:prstGeom>
         </p:spPr>
       </p:pic>
+      <p:sp>
+        <p:nvSpPr>
+          <p:cNvPr id="3" name="文字方塊 2">
+            <a:extLst>
+              <a:ext uri="{FF2B5EF4-FFF2-40B4-BE49-F238E27FC236}">
+                <a16:creationId xmlns:a16="http://schemas.microsoft.com/office/drawing/2014/main" id="{CB0AE81A-A14E-4FAD-AF89-B607FD4C6C6E}"/>
+              </a:ext>
+            </a:extLst>
+          </p:cNvPr>
+          <p:cNvSpPr txBox="1"/>
+          <p:nvPr/>
+        </p:nvSpPr>
+        <p:spPr>
+          <a:xfrm>
+            <a:off x="6481915" y="2315496"/>
+            <a:ext cx="1806905" cy="1200329"/>
+          </a:xfrm>
+          <a:prstGeom prst="rect">
+            <a:avLst/>
+          </a:prstGeom>
+          <a:noFill/>
+        </p:spPr>
+        <p:txBody>
+          <a:bodyPr wrap="none" rtlCol="0">
+            <a:spAutoFit/>
+          </a:bodyPr>
+          <a:lstStyle/>
+          <a:p>
+            <a:r>
+              <a:rPr lang="zh-TW" altLang="en-US" dirty="0"/>
+              <a:t>神力女超人</a:t>
+            </a:r>
+            <a:r>
+              <a:rPr lang="en-US" altLang="zh-TW" dirty="0"/>
+              <a:t>1984</a:t>
+            </a:r>
+          </a:p>
+          <a:p>
+            <a:r>
+              <a:rPr lang="zh-TW" altLang="en-US" dirty="0"/>
+              <a:t>好評</a:t>
+            </a:r>
+            <a:r>
+              <a:rPr lang="en-US" altLang="zh-TW" dirty="0"/>
+              <a:t>:36</a:t>
+            </a:r>
+          </a:p>
+          <a:p>
+            <a:r>
+              <a:rPr lang="zh-TW" altLang="en-US" dirty="0"/>
+              <a:t>負評</a:t>
+            </a:r>
+            <a:r>
+              <a:rPr lang="en-US" altLang="zh-TW" dirty="0"/>
+              <a:t>:23</a:t>
+            </a:r>
+          </a:p>
+          <a:p>
+            <a:r>
+              <a:rPr lang="zh-TW" altLang="en-US" dirty="0"/>
+              <a:t>共</a:t>
+            </a:r>
+            <a:r>
+              <a:rPr lang="en-US" altLang="zh-TW" dirty="0"/>
+              <a:t>88</a:t>
+            </a:r>
+            <a:r>
+              <a:rPr lang="zh-TW" altLang="en-US" dirty="0"/>
+              <a:t>筆資料</a:t>
+            </a:r>
+          </a:p>
+        </p:txBody>
+      </p:sp>
     </p:spTree>
     <p:extLst>
       <p:ext uri="{BB962C8B-B14F-4D97-AF65-F5344CB8AC3E}">
@@ -10834,14 +10475,499 @@
   <p:clrMapOvr>
     <a:masterClrMapping/>
   </p:clrMapOvr>
-  <mc:AlternateContent xmlns:mc="http://schemas.openxmlformats.org/markup-compatibility/2006">
-    <mc:Choice xmlns:p14="http://schemas.microsoft.com/office/powerpoint/2010/main" Requires="p14">
-      <p:transition spd="slow" p14:dur="2000"/>
-    </mc:Choice>
-    <mc:Fallback>
-      <p:transition spd="slow"/>
-    </mc:Fallback>
-  </mc:AlternateContent>
+</p:sld>
+</file>
+
+<file path=ppt/slides/slide11.xml><?xml version="1.0" encoding="utf-8"?>
+<p:sld xmlns:a="http://schemas.openxmlformats.org/drawingml/2006/main" xmlns:r="http://schemas.openxmlformats.org/officeDocument/2006/relationships" xmlns:p="http://schemas.openxmlformats.org/presentationml/2006/main">
+  <p:cSld>
+    <p:spTree>
+      <p:nvGrpSpPr>
+        <p:cNvPr id="1" name=""/>
+        <p:cNvGrpSpPr/>
+        <p:nvPr/>
+      </p:nvGrpSpPr>
+      <p:grpSpPr>
+        <a:xfrm>
+          <a:off x="0" y="0"/>
+          <a:ext cx="0" cy="0"/>
+          <a:chOff x="0" y="0"/>
+          <a:chExt cx="0" cy="0"/>
+        </a:xfrm>
+      </p:grpSpPr>
+      <p:pic>
+        <p:nvPicPr>
+          <p:cNvPr id="5" name="內容版面配置區 4">
+            <a:extLst>
+              <a:ext uri="{FF2B5EF4-FFF2-40B4-BE49-F238E27FC236}">
+                <a16:creationId xmlns:a16="http://schemas.microsoft.com/office/drawing/2014/main" id="{82CCF69B-6B26-4E5E-9E8E-B9410542A296}"/>
+              </a:ext>
+            </a:extLst>
+          </p:cNvPr>
+          <p:cNvPicPr>
+            <a:picLocks noGrp="1" noChangeAspect="1"/>
+          </p:cNvPicPr>
+          <p:nvPr>
+            <p:ph idx="1"/>
+          </p:nvPr>
+        </p:nvPicPr>
+        <p:blipFill>
+          <a:blip r:embed="rId2">
+            <a:extLst>
+              <a:ext uri="{28A0092B-C50C-407E-A947-70E740481C1C}">
+                <a14:useLocalDpi xmlns:a14="http://schemas.microsoft.com/office/drawing/2010/main" val="0"/>
+              </a:ext>
+            </a:extLst>
+          </a:blip>
+          <a:stretch>
+            <a:fillRect/>
+          </a:stretch>
+        </p:blipFill>
+        <p:spPr>
+          <a:xfrm>
+            <a:off x="553964" y="1282837"/>
+            <a:ext cx="7520778" cy="3740493"/>
+          </a:xfrm>
+        </p:spPr>
+      </p:pic>
+      <p:sp>
+        <p:nvSpPr>
+          <p:cNvPr id="6" name="標題 1">
+            <a:extLst>
+              <a:ext uri="{FF2B5EF4-FFF2-40B4-BE49-F238E27FC236}">
+                <a16:creationId xmlns:a16="http://schemas.microsoft.com/office/drawing/2014/main" id="{A71A5AD0-AACE-4D43-95C1-1277DD003EFF}"/>
+              </a:ext>
+            </a:extLst>
+          </p:cNvPr>
+          <p:cNvSpPr txBox="1">
+            <a:spLocks noGrp="1"/>
+          </p:cNvSpPr>
+          <p:nvPr>
+            <p:ph type="title"/>
+          </p:nvPr>
+        </p:nvSpPr>
+        <p:spPr>
+          <a:xfrm>
+            <a:off x="504490" y="359626"/>
+            <a:ext cx="9071643" cy="575187"/>
+          </a:xfrm>
+        </p:spPr>
+        <p:txBody>
+          <a:bodyPr/>
+          <a:lstStyle/>
+          <a:p>
+            <a:pPr lvl="0"/>
+            <a:r>
+              <a:rPr lang="en-US" sz="2800" spc="0" dirty="0">
+                <a:solidFill>
+                  <a:srgbClr val="000000"/>
+                </a:solidFill>
+              </a:rPr>
+              <a:t>code</a:t>
+            </a:r>
+          </a:p>
+        </p:txBody>
+      </p:sp>
+    </p:spTree>
+    <p:extLst>
+      <p:ext uri="{BB962C8B-B14F-4D97-AF65-F5344CB8AC3E}">
+        <p14:creationId xmlns:p14="http://schemas.microsoft.com/office/powerpoint/2010/main" val="2450378491"/>
+      </p:ext>
+    </p:extLst>
+  </p:cSld>
+  <p:clrMapOvr>
+    <a:masterClrMapping/>
+  </p:clrMapOvr>
+  <p:timing>
+    <p:tnLst>
+      <p:par>
+        <p:cTn id="1" dur="indefinite" restart="never" nodeType="tmRoot"/>
+      </p:par>
+    </p:tnLst>
+  </p:timing>
+</p:sld>
+</file>
+
+<file path=ppt/slides/slide12.xml><?xml version="1.0" encoding="utf-8"?>
+<p:sld xmlns:a="http://schemas.openxmlformats.org/drawingml/2006/main" xmlns:r="http://schemas.openxmlformats.org/officeDocument/2006/relationships" xmlns:p="http://schemas.openxmlformats.org/presentationml/2006/main">
+  <p:cSld>
+    <p:spTree>
+      <p:nvGrpSpPr>
+        <p:cNvPr id="1" name=""/>
+        <p:cNvGrpSpPr/>
+        <p:nvPr/>
+      </p:nvGrpSpPr>
+      <p:grpSpPr>
+        <a:xfrm>
+          <a:off x="0" y="0"/>
+          <a:ext cx="0" cy="0"/>
+          <a:chOff x="0" y="0"/>
+          <a:chExt cx="0" cy="0"/>
+        </a:xfrm>
+      </p:grpSpPr>
+      <p:sp>
+        <p:nvSpPr>
+          <p:cNvPr id="6" name="標題 1">
+            <a:extLst>
+              <a:ext uri="{FF2B5EF4-FFF2-40B4-BE49-F238E27FC236}">
+                <a16:creationId xmlns:a16="http://schemas.microsoft.com/office/drawing/2014/main" id="{A71A5AD0-AACE-4D43-95C1-1277DD003EFF}"/>
+              </a:ext>
+            </a:extLst>
+          </p:cNvPr>
+          <p:cNvSpPr txBox="1">
+            <a:spLocks noGrp="1"/>
+          </p:cNvSpPr>
+          <p:nvPr>
+            <p:ph type="title"/>
+          </p:nvPr>
+        </p:nvSpPr>
+        <p:spPr>
+          <a:xfrm>
+            <a:off x="504490" y="359626"/>
+            <a:ext cx="9071643" cy="575187"/>
+          </a:xfrm>
+        </p:spPr>
+        <p:txBody>
+          <a:bodyPr/>
+          <a:lstStyle/>
+          <a:p>
+            <a:pPr lvl="0"/>
+            <a:r>
+              <a:rPr lang="en-US" sz="2800" spc="0" dirty="0">
+                <a:solidFill>
+                  <a:srgbClr val="000000"/>
+                </a:solidFill>
+              </a:rPr>
+              <a:t>code</a:t>
+            </a:r>
+          </a:p>
+        </p:txBody>
+      </p:sp>
+      <p:sp>
+        <p:nvSpPr>
+          <p:cNvPr id="2" name="內容版面配置區 1"/>
+          <p:cNvSpPr>
+            <a:spLocks noGrp="1"/>
+          </p:cNvSpPr>
+          <p:nvPr>
+            <p:ph idx="1"/>
+          </p:nvPr>
+        </p:nvSpPr>
+        <p:spPr/>
+        <p:txBody>
+          <a:bodyPr/>
+          <a:lstStyle/>
+          <a:p>
+            <a:endParaRPr lang="zh-TW" altLang="en-US"/>
+          </a:p>
+        </p:txBody>
+      </p:sp>
+    </p:spTree>
+    <p:extLst>
+      <p:ext uri="{BB962C8B-B14F-4D97-AF65-F5344CB8AC3E}">
+        <p14:creationId xmlns:p14="http://schemas.microsoft.com/office/powerpoint/2010/main" val="2354948327"/>
+      </p:ext>
+    </p:extLst>
+  </p:cSld>
+  <p:clrMapOvr>
+    <a:masterClrMapping/>
+  </p:clrMapOvr>
+  <p:timing>
+    <p:tnLst>
+      <p:par>
+        <p:cTn id="1" dur="indefinite" restart="never" nodeType="tmRoot"/>
+      </p:par>
+    </p:tnLst>
+  </p:timing>
+</p:sld>
+</file>
+
+<file path=ppt/slides/slide13.xml><?xml version="1.0" encoding="utf-8"?>
+<p:sld xmlns:a="http://schemas.openxmlformats.org/drawingml/2006/main" xmlns:r="http://schemas.openxmlformats.org/officeDocument/2006/relationships" xmlns:p="http://schemas.openxmlformats.org/presentationml/2006/main">
+  <p:cSld>
+    <p:spTree>
+      <p:nvGrpSpPr>
+        <p:cNvPr id="1" name=""/>
+        <p:cNvGrpSpPr/>
+        <p:nvPr/>
+      </p:nvGrpSpPr>
+      <p:grpSpPr>
+        <a:xfrm>
+          <a:off x="0" y="0"/>
+          <a:ext cx="0" cy="0"/>
+          <a:chOff x="0" y="0"/>
+          <a:chExt cx="0" cy="0"/>
+        </a:xfrm>
+      </p:grpSpPr>
+      <p:sp>
+        <p:nvSpPr>
+          <p:cNvPr id="2" name="標題 1"/>
+          <p:cNvSpPr>
+            <a:spLocks noGrp="1"/>
+          </p:cNvSpPr>
+          <p:nvPr>
+            <p:ph type="title"/>
+          </p:nvPr>
+        </p:nvSpPr>
+        <p:spPr>
+          <a:xfrm>
+            <a:off x="503998" y="352803"/>
+            <a:ext cx="9071643" cy="879098"/>
+          </a:xfrm>
+        </p:spPr>
+        <p:txBody>
+          <a:bodyPr/>
+          <a:lstStyle/>
+          <a:p>
+            <a:r>
+              <a:rPr lang="zh-TW" altLang="en-US" dirty="0" smtClean="0">
+                <a:solidFill>
+                  <a:schemeClr val="tx1"/>
+                </a:solidFill>
+                <a:latin typeface="微軟正黑體" panose="020B0604030504040204" pitchFamily="34" charset="-120"/>
+                <a:ea typeface="微軟正黑體" panose="020B0604030504040204" pitchFamily="34" charset="-120"/>
+              </a:rPr>
+              <a:t>結果分析</a:t>
+            </a:r>
+            <a:endParaRPr lang="zh-TW" altLang="en-US" dirty="0">
+              <a:solidFill>
+                <a:schemeClr val="tx1"/>
+              </a:solidFill>
+              <a:latin typeface="微軟正黑體" panose="020B0604030504040204" pitchFamily="34" charset="-120"/>
+              <a:ea typeface="微軟正黑體" panose="020B0604030504040204" pitchFamily="34" charset="-120"/>
+            </a:endParaRPr>
+          </a:p>
+        </p:txBody>
+      </p:sp>
+      <p:sp>
+        <p:nvSpPr>
+          <p:cNvPr id="3" name="內容版面配置區 2"/>
+          <p:cNvSpPr>
+            <a:spLocks noGrp="1"/>
+          </p:cNvSpPr>
+          <p:nvPr>
+            <p:ph idx="1"/>
+          </p:nvPr>
+        </p:nvSpPr>
+        <p:spPr/>
+        <p:txBody>
+          <a:bodyPr/>
+          <a:lstStyle/>
+          <a:p>
+            <a:endParaRPr lang="zh-TW" altLang="en-US"/>
+          </a:p>
+        </p:txBody>
+      </p:sp>
+    </p:spTree>
+    <p:extLst>
+      <p:ext uri="{BB962C8B-B14F-4D97-AF65-F5344CB8AC3E}">
+        <p14:creationId xmlns:p14="http://schemas.microsoft.com/office/powerpoint/2010/main" val="3337021992"/>
+      </p:ext>
+    </p:extLst>
+  </p:cSld>
+  <p:clrMapOvr>
+    <a:masterClrMapping/>
+  </p:clrMapOvr>
+</p:sld>
+</file>
+
+<file path=ppt/slides/slide14.xml><?xml version="1.0" encoding="utf-8"?>
+<p:sld xmlns:a="http://schemas.openxmlformats.org/drawingml/2006/main" xmlns:r="http://schemas.openxmlformats.org/officeDocument/2006/relationships" xmlns:p="http://schemas.openxmlformats.org/presentationml/2006/main">
+  <p:cSld>
+    <p:spTree>
+      <p:nvGrpSpPr>
+        <p:cNvPr id="1" name=""/>
+        <p:cNvGrpSpPr/>
+        <p:nvPr/>
+      </p:nvGrpSpPr>
+      <p:grpSpPr>
+        <a:xfrm>
+          <a:off x="0" y="0"/>
+          <a:ext cx="0" cy="0"/>
+          <a:chOff x="0" y="0"/>
+          <a:chExt cx="0" cy="0"/>
+        </a:xfrm>
+      </p:grpSpPr>
+      <p:pic>
+        <p:nvPicPr>
+          <p:cNvPr id="14" name="內容版面配置區 13"/>
+          <p:cNvPicPr>
+            <a:picLocks noGrp="1" noChangeAspect="1"/>
+          </p:cNvPicPr>
+          <p:nvPr>
+            <p:ph idx="1"/>
+          </p:nvPr>
+        </p:nvPicPr>
+        <p:blipFill>
+          <a:blip r:embed="rId2">
+            <a:extLst>
+              <a:ext uri="{28A0092B-C50C-407E-A947-70E740481C1C}">
+                <a14:useLocalDpi xmlns:a14="http://schemas.microsoft.com/office/drawing/2010/main" val="0"/>
+              </a:ext>
+            </a:extLst>
+          </a:blip>
+          <a:stretch>
+            <a:fillRect/>
+          </a:stretch>
+        </p:blipFill>
+        <p:spPr>
+          <a:xfrm>
+            <a:off x="-1" y="0"/>
+            <a:ext cx="10080625" cy="6048375"/>
+          </a:xfrm>
+        </p:spPr>
+      </p:pic>
+    </p:spTree>
+    <p:extLst>
+      <p:ext uri="{BB962C8B-B14F-4D97-AF65-F5344CB8AC3E}">
+        <p14:creationId xmlns:p14="http://schemas.microsoft.com/office/powerpoint/2010/main" val="2796261455"/>
+      </p:ext>
+    </p:extLst>
+  </p:cSld>
+  <p:clrMapOvr>
+    <a:masterClrMapping/>
+  </p:clrMapOvr>
+  <p:timing>
+    <p:tnLst>
+      <p:par>
+        <p:cTn id="1" dur="indefinite" restart="never" nodeType="tmRoot"/>
+      </p:par>
+    </p:tnLst>
+  </p:timing>
+</p:sld>
+</file>
+
+<file path=ppt/slides/slide15.xml><?xml version="1.0" encoding="utf-8"?>
+<p:sld xmlns:a="http://schemas.openxmlformats.org/drawingml/2006/main" xmlns:r="http://schemas.openxmlformats.org/officeDocument/2006/relationships" xmlns:p="http://schemas.openxmlformats.org/presentationml/2006/main">
+  <p:cSld>
+    <p:spTree>
+      <p:nvGrpSpPr>
+        <p:cNvPr id="1" name=""/>
+        <p:cNvGrpSpPr/>
+        <p:nvPr/>
+      </p:nvGrpSpPr>
+      <p:grpSpPr>
+        <a:xfrm>
+          <a:off x="0" y="0"/>
+          <a:ext cx="0" cy="0"/>
+          <a:chOff x="0" y="0"/>
+          <a:chExt cx="0" cy="0"/>
+        </a:xfrm>
+      </p:grpSpPr>
+      <p:pic>
+        <p:nvPicPr>
+          <p:cNvPr id="6" name="內容版面配置區 5"/>
+          <p:cNvPicPr>
+            <a:picLocks noGrp="1" noChangeAspect="1"/>
+          </p:cNvPicPr>
+          <p:nvPr>
+            <p:ph idx="1"/>
+          </p:nvPr>
+        </p:nvPicPr>
+        <p:blipFill>
+          <a:blip r:embed="rId2">
+            <a:extLst>
+              <a:ext uri="{28A0092B-C50C-407E-A947-70E740481C1C}">
+                <a14:useLocalDpi xmlns:a14="http://schemas.microsoft.com/office/drawing/2010/main" val="0"/>
+              </a:ext>
+            </a:extLst>
+          </a:blip>
+          <a:stretch>
+            <a:fillRect/>
+          </a:stretch>
+        </p:blipFill>
+        <p:spPr>
+          <a:xfrm>
+            <a:off x="0" y="0"/>
+            <a:ext cx="10080625" cy="6048375"/>
+          </a:xfrm>
+        </p:spPr>
+      </p:pic>
+    </p:spTree>
+    <p:extLst>
+      <p:ext uri="{BB962C8B-B14F-4D97-AF65-F5344CB8AC3E}">
+        <p14:creationId xmlns:p14="http://schemas.microsoft.com/office/powerpoint/2010/main" val="1984168561"/>
+      </p:ext>
+    </p:extLst>
+  </p:cSld>
+  <p:clrMapOvr>
+    <a:masterClrMapping/>
+  </p:clrMapOvr>
+  <p:timing>
+    <p:tnLst>
+      <p:par>
+        <p:cTn id="1" dur="indefinite" restart="never" nodeType="tmRoot"/>
+      </p:par>
+    </p:tnLst>
+  </p:timing>
+</p:sld>
+</file>
+
+<file path=ppt/slides/slide16.xml><?xml version="1.0" encoding="utf-8"?>
+<p:sld xmlns:a="http://schemas.openxmlformats.org/drawingml/2006/main" xmlns:r="http://schemas.openxmlformats.org/officeDocument/2006/relationships" xmlns:p="http://schemas.openxmlformats.org/presentationml/2006/main">
+  <p:cSld>
+    <p:spTree>
+      <p:nvGrpSpPr>
+        <p:cNvPr id="1" name=""/>
+        <p:cNvGrpSpPr/>
+        <p:nvPr/>
+      </p:nvGrpSpPr>
+      <p:grpSpPr>
+        <a:xfrm>
+          <a:off x="0" y="0"/>
+          <a:ext cx="0" cy="0"/>
+          <a:chOff x="0" y="0"/>
+          <a:chExt cx="0" cy="0"/>
+        </a:xfrm>
+      </p:grpSpPr>
+      <p:sp>
+        <p:nvSpPr>
+          <p:cNvPr id="2" name="標題 1"/>
+          <p:cNvSpPr>
+            <a:spLocks noGrp="1"/>
+          </p:cNvSpPr>
+          <p:nvPr>
+            <p:ph type="title"/>
+          </p:nvPr>
+        </p:nvSpPr>
+        <p:spPr/>
+        <p:txBody>
+          <a:bodyPr/>
+          <a:lstStyle/>
+          <a:p>
+            <a:endParaRPr lang="zh-TW" altLang="en-US"/>
+          </a:p>
+        </p:txBody>
+      </p:sp>
+      <p:sp>
+        <p:nvSpPr>
+          <p:cNvPr id="3" name="內容版面配置區 2"/>
+          <p:cNvSpPr>
+            <a:spLocks noGrp="1"/>
+          </p:cNvSpPr>
+          <p:nvPr>
+            <p:ph idx="1"/>
+          </p:nvPr>
+        </p:nvSpPr>
+        <p:spPr/>
+        <p:txBody>
+          <a:bodyPr/>
+          <a:lstStyle/>
+          <a:p>
+            <a:endParaRPr lang="zh-TW" altLang="en-US"/>
+          </a:p>
+        </p:txBody>
+      </p:sp>
+    </p:spTree>
+    <p:extLst>
+      <p:ext uri="{BB962C8B-B14F-4D97-AF65-F5344CB8AC3E}">
+        <p14:creationId xmlns:p14="http://schemas.microsoft.com/office/powerpoint/2010/main" val="392892618"/>
+      </p:ext>
+    </p:extLst>
+  </p:cSld>
+  <p:clrMapOvr>
+    <a:masterClrMapping/>
+  </p:clrMapOvr>
 </p:sld>
 </file>
 
@@ -11166,14 +11292,6 @@
   <p:clrMapOvr>
     <a:masterClrMapping/>
   </p:clrMapOvr>
-  <mc:AlternateContent xmlns:mc="http://schemas.openxmlformats.org/markup-compatibility/2006">
-    <mc:Choice xmlns:p14="http://schemas.microsoft.com/office/powerpoint/2010/main" Requires="p14">
-      <p:transition spd="slow" p14:dur="2000"/>
-    </mc:Choice>
-    <mc:Fallback>
-      <p:transition spd="slow"/>
-    </mc:Fallback>
-  </mc:AlternateContent>
 </p:sld>
 </file>
 
@@ -11631,14 +11749,6 @@
   <p:clrMapOvr>
     <a:masterClrMapping/>
   </p:clrMapOvr>
-  <mc:AlternateContent xmlns:mc="http://schemas.openxmlformats.org/markup-compatibility/2006">
-    <mc:Choice xmlns:p14="http://schemas.microsoft.com/office/powerpoint/2010/main" Requires="p14">
-      <p:transition spd="slow" p14:dur="2000"/>
-    </mc:Choice>
-    <mc:Fallback>
-      <p:transition spd="slow"/>
-    </mc:Fallback>
-  </mc:AlternateContent>
 </p:sld>
 </file>
 
@@ -11768,7 +11878,7 @@
               </a:defRPr>
             </a:pPr>
             <a:r>
-              <a:rPr lang="zh-TW" sz="2400" b="0" i="0" u="none" strike="noStrike" kern="1200" cap="none" spc="-1" baseline="0">
+              <a:rPr lang="zh-TW" sz="2400" b="0" i="0" u="none" strike="noStrike" kern="1200" cap="none" spc="-1" baseline="0" dirty="0">
                 <a:solidFill>
                   <a:srgbClr val="000000"/>
                 </a:solidFill>
@@ -11779,7 +11889,7 @@
               </a:rPr>
               <a:t>你需要做什麼來解決這個問題？</a:t>
             </a:r>
-            <a:endParaRPr lang="en-US" sz="2400" b="0" i="0" u="none" strike="noStrike" kern="1200" cap="none" spc="-1" baseline="0">
+            <a:endParaRPr lang="en-US" sz="2400" b="0" i="0" u="none" strike="noStrike" kern="1200" cap="none" spc="-1" baseline="0" dirty="0">
               <a:solidFill>
                 <a:srgbClr val="000000"/>
               </a:solidFill>
@@ -11815,7 +11925,7 @@
               </a:defRPr>
             </a:pPr>
             <a:r>
-              <a:rPr lang="zh-TW" sz="2400" b="0" i="0" u="none" strike="noStrike" kern="1200" cap="none" spc="-1" baseline="0">
+              <a:rPr lang="zh-TW" sz="2400" b="0" i="0" u="none" strike="noStrike" kern="1200" cap="none" spc="-1" baseline="0" dirty="0">
                 <a:solidFill>
                   <a:srgbClr val="000000"/>
                 </a:solidFill>
@@ -11826,7 +11936,7 @@
               </a:rPr>
               <a:t>你要做的這些事情裡的先後順序是什麼？</a:t>
             </a:r>
-            <a:endParaRPr lang="en-US" sz="2400" b="0" i="0" u="none" strike="noStrike" kern="1200" cap="none" spc="-1" baseline="0">
+            <a:endParaRPr lang="en-US" sz="2400" b="0" i="0" u="none" strike="noStrike" kern="1200" cap="none" spc="-1" baseline="0" dirty="0">
               <a:solidFill>
                 <a:srgbClr val="000000"/>
               </a:solidFill>
@@ -11857,7 +11967,7 @@
               </a:defRPr>
             </a:pPr>
             <a:r>
-              <a:rPr lang="zh-TW" sz="2400" b="0" i="0" u="none" strike="noStrike" kern="1200" cap="none" spc="0" baseline="0">
+              <a:rPr lang="zh-TW" sz="2400" b="0" i="0" u="none" strike="noStrike" kern="1200" cap="none" spc="0" baseline="0" dirty="0">
                 <a:solidFill>
                   <a:srgbClr val="000000"/>
                 </a:solidFill>
@@ -11869,7 +11979,7 @@
               <a:t>蒐集</a:t>
             </a:r>
             <a:r>
-              <a:rPr lang="en-US" sz="2400" b="0" i="0" u="none" strike="noStrike" kern="1200" cap="none" spc="0" baseline="0">
+              <a:rPr lang="en-US" sz="2400" b="0" i="0" u="none" strike="noStrike" kern="1200" cap="none" spc="0" baseline="0" dirty="0" err="1">
                 <a:solidFill>
                   <a:srgbClr val="000000"/>
                 </a:solidFill>
@@ -11881,7 +11991,7 @@
               <a:t>ptt</a:t>
             </a:r>
             <a:r>
-              <a:rPr lang="zh-TW" sz="2400" b="0" i="0" u="none" strike="noStrike" kern="1200" cap="none" spc="0" baseline="0">
+              <a:rPr lang="zh-TW" sz="2400" b="0" i="0" u="none" strike="noStrike" kern="1200" cap="none" spc="0" baseline="0" dirty="0">
                 <a:solidFill>
                   <a:srgbClr val="000000"/>
                 </a:solidFill>
@@ -11893,7 +12003,7 @@
               <a:t>電影版評論標題及內容</a:t>
             </a:r>
             <a:r>
-              <a:rPr lang="en-US" sz="2400" b="0" i="0" u="none" strike="noStrike" kern="1200" cap="none" spc="0" baseline="0">
+              <a:rPr lang="en-US" sz="2400" b="0" i="0" u="none" strike="noStrike" kern="1200" cap="none" spc="0" baseline="0" dirty="0">
                 <a:solidFill>
                   <a:srgbClr val="000000"/>
                 </a:solidFill>
@@ -11905,7 +12015,7 @@
               <a:t>-&gt;</a:t>
             </a:r>
             <a:r>
-              <a:rPr lang="zh-TW" sz="2400" b="0" i="0" u="none" strike="noStrike" kern="1200" cap="none" spc="0" baseline="0">
+              <a:rPr lang="zh-TW" sz="2400" b="0" i="0" u="none" strike="noStrike" kern="1200" cap="none" spc="0" baseline="0" dirty="0">
                 <a:solidFill>
                   <a:srgbClr val="000000"/>
                 </a:solidFill>
@@ -11917,7 +12027,7 @@
               <a:t>分析文本</a:t>
             </a:r>
             <a:r>
-              <a:rPr lang="en-US" sz="2400" b="0" i="0" u="none" strike="noStrike" kern="1200" cap="none" spc="0" baseline="0">
+              <a:rPr lang="en-US" sz="2400" b="0" i="0" u="none" strike="noStrike" kern="1200" cap="none" spc="0" baseline="0" dirty="0">
                 <a:solidFill>
                   <a:srgbClr val="000000"/>
                 </a:solidFill>
@@ -11929,7 +12039,7 @@
               <a:t>-&gt;</a:t>
             </a:r>
             <a:r>
-              <a:rPr lang="zh-TW" sz="2400" b="0" i="0" u="none" strike="noStrike" kern="1200" cap="none" spc="0" baseline="0">
+              <a:rPr lang="zh-TW" sz="2400" b="0" i="0" u="none" strike="noStrike" kern="1200" cap="none" spc="0" baseline="0" dirty="0">
                 <a:solidFill>
                   <a:srgbClr val="000000"/>
                 </a:solidFill>
@@ -11941,7 +12051,7 @@
               <a:t>呈現結果</a:t>
             </a:r>
             <a:r>
-              <a:rPr lang="en-US" sz="2400" b="0" i="0" u="none" strike="noStrike" kern="1200" cap="none" spc="0" baseline="0">
+              <a:rPr lang="en-US" sz="2400" b="0" i="0" u="none" strike="noStrike" kern="1200" cap="none" spc="0" baseline="0" dirty="0">
                 <a:solidFill>
                   <a:srgbClr val="000000"/>
                 </a:solidFill>
@@ -11953,7 +12063,7 @@
               <a:t>(</a:t>
             </a:r>
             <a:r>
-              <a:rPr lang="zh-TW" sz="2400" b="0" i="0" u="none" strike="noStrike" kern="1200" cap="none" spc="0" baseline="0">
+              <a:rPr lang="zh-TW" sz="2400" b="0" i="0" u="none" strike="noStrike" kern="1200" cap="none" spc="0" baseline="0" dirty="0">
                 <a:solidFill>
                   <a:srgbClr val="000000"/>
                 </a:solidFill>
@@ -11965,7 +12075,7 @@
               <a:t>圖形化</a:t>
             </a:r>
             <a:r>
-              <a:rPr lang="en-US" sz="2400" b="0" i="0" u="none" strike="noStrike" kern="1200" cap="none" spc="0" baseline="0">
+              <a:rPr lang="en-US" sz="2400" b="0" i="0" u="none" strike="noStrike" kern="1200" cap="none" spc="0" baseline="0" dirty="0">
                 <a:solidFill>
                   <a:srgbClr val="000000"/>
                 </a:solidFill>
@@ -11976,7 +12086,7 @@
               </a:rPr>
               <a:t>)</a:t>
             </a:r>
-            <a:endParaRPr lang="en-US" sz="2400" b="0" i="0" u="none" strike="noStrike" kern="1200" cap="none" spc="-1" baseline="0">
+            <a:endParaRPr lang="en-US" sz="2400" b="0" i="0" u="none" strike="noStrike" kern="1200" cap="none" spc="-1" baseline="0" dirty="0">
               <a:solidFill>
                 <a:srgbClr val="000000"/>
               </a:solidFill>
@@ -12012,7 +12122,7 @@
               </a:defRPr>
             </a:pPr>
             <a:r>
-              <a:rPr lang="zh-TW" sz="2400" b="0" i="0" u="none" strike="noStrike" kern="1200" cap="none" spc="-1" baseline="0">
+              <a:rPr lang="zh-TW" sz="2400" b="0" i="0" u="none" strike="noStrike" kern="1200" cap="none" spc="-1" baseline="0" dirty="0">
                 <a:solidFill>
                   <a:srgbClr val="000000"/>
                 </a:solidFill>
@@ -12023,7 +12133,7 @@
               </a:rPr>
               <a:t>你會需要哪些工具？</a:t>
             </a:r>
-            <a:endParaRPr lang="en-US" sz="2400" b="0" i="0" u="none" strike="noStrike" kern="1200" cap="none" spc="-1" baseline="0">
+            <a:endParaRPr lang="en-US" sz="2400" b="0" i="0" u="none" strike="noStrike" kern="1200" cap="none" spc="-1" baseline="0" dirty="0">
               <a:solidFill>
                 <a:srgbClr val="000000"/>
               </a:solidFill>
@@ -12054,7 +12164,7 @@
               </a:defRPr>
             </a:pPr>
             <a:r>
-              <a:rPr lang="zh-TW" sz="2400" b="0" i="0" u="none" strike="noStrike" kern="1200" cap="none" spc="0" baseline="0">
+              <a:rPr lang="zh-TW" sz="2400" b="0" i="0" u="none" strike="noStrike" kern="1200" cap="none" spc="0" baseline="0" dirty="0">
                 <a:solidFill>
                   <a:srgbClr val="000000"/>
                 </a:solidFill>
@@ -12066,7 +12176,7 @@
               <a:t>需要</a:t>
             </a:r>
             <a:r>
-              <a:rPr lang="en-US" sz="2400" b="0" i="0" u="none" strike="noStrike" kern="1200" cap="none" spc="0" baseline="0">
+              <a:rPr lang="en-US" sz="2400" b="0" i="0" u="none" strike="noStrike" kern="1200" cap="none" spc="0" baseline="0" dirty="0">
                 <a:solidFill>
                   <a:srgbClr val="000000"/>
                 </a:solidFill>
@@ -12075,10 +12185,58 @@
                 <a:ea typeface="DejaVu Sans"/>
                 <a:cs typeface="DejaVu Sans"/>
               </a:rPr>
-              <a:t>Python BeautifulSoup, Jieba, matplotlib </a:t>
+              <a:t>Python </a:t>
             </a:r>
             <a:r>
-              <a:rPr lang="zh-TW" sz="2400" b="0" i="0" u="none" strike="noStrike" kern="1200" cap="none" spc="0" baseline="0">
+              <a:rPr lang="en-US" sz="2400" b="0" i="0" u="none" strike="noStrike" kern="1200" cap="none" spc="0" baseline="0" dirty="0" err="1">
+                <a:solidFill>
+                  <a:srgbClr val="000000"/>
+                </a:solidFill>
+                <a:uFillTx/>
+                <a:latin typeface="DejaVu Sans"/>
+                <a:ea typeface="DejaVu Sans"/>
+                <a:cs typeface="DejaVu Sans"/>
+              </a:rPr>
+              <a:t>BeautifulSoup</a:t>
+            </a:r>
+            <a:r>
+              <a:rPr lang="en-US" sz="2400" b="0" i="0" u="none" strike="noStrike" kern="1200" cap="none" spc="0" baseline="0" dirty="0">
+                <a:solidFill>
+                  <a:srgbClr val="000000"/>
+                </a:solidFill>
+                <a:uFillTx/>
+                <a:latin typeface="DejaVu Sans"/>
+                <a:ea typeface="DejaVu Sans"/>
+                <a:cs typeface="DejaVu Sans"/>
+              </a:rPr>
+              <a:t>, </a:t>
+            </a:r>
+            <a:r>
+              <a:rPr lang="en-US" sz="2400" b="0" i="0" u="none" strike="noStrike" kern="1200" cap="none" spc="0" baseline="0" dirty="0" err="1">
+                <a:solidFill>
+                  <a:srgbClr val="000000"/>
+                </a:solidFill>
+                <a:uFillTx/>
+                <a:latin typeface="DejaVu Sans"/>
+                <a:ea typeface="DejaVu Sans"/>
+                <a:cs typeface="DejaVu Sans"/>
+              </a:rPr>
+              <a:t>Jieba</a:t>
+            </a:r>
+            <a:r>
+              <a:rPr lang="en-US" sz="2400" b="0" i="0" u="none" strike="noStrike" kern="1200" cap="none" spc="0" baseline="0" dirty="0">
+                <a:solidFill>
+                  <a:srgbClr val="000000"/>
+                </a:solidFill>
+                <a:uFillTx/>
+                <a:latin typeface="DejaVu Sans"/>
+                <a:ea typeface="DejaVu Sans"/>
+                <a:cs typeface="DejaVu Sans"/>
+              </a:rPr>
+              <a:t>, matplotlib </a:t>
+            </a:r>
+            <a:r>
+              <a:rPr lang="zh-TW" sz="2400" b="0" i="0" u="none" strike="noStrike" kern="1200" cap="none" spc="0" baseline="0" dirty="0">
                 <a:solidFill>
                   <a:srgbClr val="000000"/>
                 </a:solidFill>
@@ -12111,7 +12269,7 @@
               </a:defRPr>
             </a:pPr>
             <a:r>
-              <a:rPr lang="en-US" sz="2400" b="0" i="0" u="none" strike="noStrike" kern="1200" cap="none" spc="0" baseline="0">
+              <a:rPr lang="en-US" sz="2400" b="0" i="0" u="none" strike="noStrike" kern="1200" cap="none" spc="0" baseline="0" dirty="0">
                 <a:solidFill>
                   <a:srgbClr val="000000"/>
                 </a:solidFill>
@@ -12123,7 +12281,7 @@
               <a:t/>
             </a:r>
             <a:br>
-              <a:rPr lang="en-US" sz="2400" b="0" i="0" u="none" strike="noStrike" kern="1200" cap="none" spc="0" baseline="0">
+              <a:rPr lang="en-US" sz="2400" b="0" i="0" u="none" strike="noStrike" kern="1200" cap="none" spc="0" baseline="0" dirty="0">
                 <a:solidFill>
                   <a:srgbClr val="000000"/>
                 </a:solidFill>
@@ -12133,7 +12291,7 @@
                 <a:cs typeface="DejaVu Sans"/>
               </a:rPr>
             </a:br>
-            <a:endParaRPr lang="en-US" sz="2400" b="0" i="0" u="none" strike="noStrike" kern="1200" cap="none" spc="-1" baseline="0">
+            <a:endParaRPr lang="en-US" sz="2400" b="0" i="0" u="none" strike="noStrike" kern="1200" cap="none" spc="-1" baseline="0" dirty="0">
               <a:solidFill>
                 <a:srgbClr val="000000"/>
               </a:solidFill>
@@ -12150,14 +12308,6 @@
   <p:clrMapOvr>
     <a:masterClrMapping/>
   </p:clrMapOvr>
-  <mc:AlternateContent xmlns:mc="http://schemas.openxmlformats.org/markup-compatibility/2006">
-    <mc:Choice xmlns:p14="http://schemas.microsoft.com/office/powerpoint/2010/main" Requires="p14">
-      <p:transition spd="slow" p14:dur="2000"/>
-    </mc:Choice>
-    <mc:Fallback>
-      <p:transition spd="slow"/>
-    </mc:Fallback>
-  </mc:AlternateContent>
 </p:sld>
 </file>
 
@@ -12648,14 +12798,6 @@
   <p:clrMapOvr>
     <a:masterClrMapping/>
   </p:clrMapOvr>
-  <mc:AlternateContent xmlns:mc="http://schemas.openxmlformats.org/markup-compatibility/2006">
-    <mc:Choice xmlns:p14="http://schemas.microsoft.com/office/powerpoint/2010/main" Requires="p14">
-      <p:transition spd="slow" p14:dur="2000"/>
-    </mc:Choice>
-    <mc:Fallback>
-      <p:transition spd="slow"/>
-    </mc:Fallback>
-  </mc:AlternateContent>
 </p:sld>
 </file>
 
@@ -12846,11 +12988,7 @@
       <p:pic>
         <p:nvPicPr>
           <p:cNvPr id="4" name="圖片 2">
-            <a:extLst>
-              <a:ext uri="{FF2B5EF4-FFF2-40B4-BE49-F238E27FC236}">
-                <a16:creationId xmlns:a16="http://schemas.microsoft.com/office/drawing/2014/main" id="{00000000-0000-0000-0000-000000000000}"/>
-              </a:ext>
-            </a:extLst>
+            <a:extLst/>
           </p:cNvPr>
           <p:cNvPicPr>
             <a:picLocks noChangeAspect="1"/>
@@ -12882,14 +13020,6 @@
   <p:clrMapOvr>
     <a:masterClrMapping/>
   </p:clrMapOvr>
-  <mc:AlternateContent xmlns:mc="http://schemas.openxmlformats.org/markup-compatibility/2006">
-    <mc:Choice xmlns:p14="http://schemas.microsoft.com/office/powerpoint/2010/main" Requires="p14">
-      <p:transition spd="slow" p14:dur="2000"/>
-    </mc:Choice>
-    <mc:Fallback>
-      <p:transition spd="slow"/>
-    </mc:Fallback>
-  </mc:AlternateContent>
 </p:sld>
 </file>
 
@@ -13271,14 +13401,6 @@
   <p:clrMapOvr>
     <a:masterClrMapping/>
   </p:clrMapOvr>
-  <mc:AlternateContent xmlns:mc="http://schemas.openxmlformats.org/markup-compatibility/2006">
-    <mc:Choice xmlns:p14="http://schemas.microsoft.com/office/powerpoint/2010/main" Requires="p14">
-      <p:transition spd="slow" p14:dur="2000"/>
-    </mc:Choice>
-    <mc:Fallback>
-      <p:transition spd="slow"/>
-    </mc:Fallback>
-  </mc:AlternateContent>
 </p:sld>
 </file>
 
@@ -13396,11 +13518,7 @@
       <p:pic>
         <p:nvPicPr>
           <p:cNvPr id="3" name="圖片 178">
-            <a:extLst>
-              <a:ext uri="{FF2B5EF4-FFF2-40B4-BE49-F238E27FC236}">
-                <a16:creationId xmlns:a16="http://schemas.microsoft.com/office/drawing/2014/main" id="{00000000-0000-0000-0000-000000000000}"/>
-              </a:ext>
-            </a:extLst>
+            <a:extLst/>
           </p:cNvPr>
           <p:cNvPicPr>
             <a:picLocks noChangeAspect="1"/>
@@ -13491,14 +13609,6 @@
   <p:clrMapOvr>
     <a:masterClrMapping/>
   </p:clrMapOvr>
-  <mc:AlternateContent xmlns:mc="http://schemas.openxmlformats.org/markup-compatibility/2006">
-    <mc:Choice xmlns:p14="http://schemas.microsoft.com/office/powerpoint/2010/main" Requires="p14">
-      <p:transition spd="slow" p14:dur="2000"/>
-    </mc:Choice>
-    <mc:Fallback>
-      <p:transition spd="slow"/>
-    </mc:Fallback>
-  </mc:AlternateContent>
 </p:sld>
 </file>
 
@@ -13541,7 +13651,7 @@
           <a:p>
             <a:pPr lvl="0"/>
             <a:r>
-              <a:rPr lang="en-US" spc="0">
+              <a:rPr lang="en-US" spc="0" dirty="0">
                 <a:solidFill>
                   <a:srgbClr val="000000"/>
                 </a:solidFill>
@@ -13579,7 +13689,7 @@
               </a:spcBef>
             </a:pPr>
             <a:r>
-              <a:rPr lang="zh-TW" altLang="en-US" sz="2400" spc="0">
+              <a:rPr lang="zh-TW" altLang="en-US" sz="2400" spc="0" dirty="0">
                 <a:solidFill>
                   <a:srgbClr val="000000"/>
                 </a:solidFill>
@@ -13587,7 +13697,7 @@
               <a:t>如何過濾電影工讀生來</a:t>
             </a:r>
             <a:r>
-              <a:rPr lang="en-US" sz="2400" spc="0">
+              <a:rPr lang="en-US" sz="2400" spc="0" dirty="0" err="1">
                 <a:solidFill>
                   <a:srgbClr val="000000"/>
                 </a:solidFill>
@@ -13595,7 +13705,7 @@
               <a:t>ptt</a:t>
             </a:r>
             <a:r>
-              <a:rPr lang="zh-TW" altLang="en-US" sz="2400" spc="0">
+              <a:rPr lang="zh-TW" altLang="en-US" sz="2400" spc="0" dirty="0">
                 <a:solidFill>
                   <a:srgbClr val="000000"/>
                 </a:solidFill>
@@ -13603,7 +13713,7 @@
               <a:t>宣傳一事</a:t>
             </a:r>
             <a:r>
-              <a:rPr lang="en-US" sz="2400" spc="0">
+              <a:rPr lang="en-US" sz="2400" spc="0" dirty="0">
                 <a:solidFill>
                   <a:srgbClr val="000000"/>
                 </a:solidFill>
@@ -13619,14 +13729,14 @@
               <a:buNone/>
             </a:pPr>
             <a:r>
-              <a:rPr lang="zh-TW" altLang="en-US" sz="2400" spc="0">
+              <a:rPr lang="zh-TW" altLang="en-US" sz="2400" spc="0" dirty="0">
                 <a:solidFill>
                   <a:srgbClr val="000000"/>
                 </a:solidFill>
               </a:rPr>
               <a:t>單純宣傳將不算在樣本中，若是心得文章就列入</a:t>
             </a:r>
-            <a:endParaRPr lang="en-US" sz="2400" spc="0">
+            <a:endParaRPr lang="en-US" sz="2400" spc="0" dirty="0">
               <a:solidFill>
                 <a:srgbClr val="000000"/>
               </a:solidFill>
@@ -13638,7 +13748,7 @@
                 <a:spcPts val="0"/>
               </a:spcBef>
             </a:pPr>
-            <a:endParaRPr lang="en-US" sz="2400" spc="0">
+            <a:endParaRPr lang="en-US" sz="2400" spc="0" dirty="0">
               <a:solidFill>
                 <a:srgbClr val="000000"/>
               </a:solidFill>
@@ -13651,7 +13761,7 @@
               </a:spcBef>
             </a:pPr>
             <a:r>
-              <a:rPr lang="zh-TW" altLang="en-US" sz="2400" spc="0">
+              <a:rPr lang="zh-TW" altLang="en-US" sz="2400" spc="0" dirty="0">
                 <a:solidFill>
                   <a:srgbClr val="000000"/>
                 </a:solidFill>
@@ -13659,7 +13769,7 @@
               <a:t>如何區分宣傳和心得</a:t>
             </a:r>
             <a:r>
-              <a:rPr lang="en-US" sz="2400" spc="0">
+              <a:rPr lang="en-US" sz="2400" spc="0" dirty="0">
                 <a:solidFill>
                   <a:srgbClr val="000000"/>
                 </a:solidFill>
@@ -13675,14 +13785,14 @@
               <a:buNone/>
             </a:pPr>
             <a:r>
-              <a:rPr lang="zh-TW" altLang="en-US" sz="2400" spc="0">
+              <a:rPr lang="zh-TW" altLang="en-US" sz="2400" spc="0" dirty="0">
                 <a:solidFill>
                   <a:srgbClr val="000000"/>
                 </a:solidFill>
               </a:rPr>
               <a:t>擷取一些關鍵字，如：我覺得、我認為</a:t>
             </a:r>
-            <a:endParaRPr lang="en-US" sz="2400" spc="0">
+            <a:endParaRPr lang="en-US" sz="2400" spc="0" dirty="0">
               <a:solidFill>
                 <a:srgbClr val="000000"/>
               </a:solidFill>
@@ -13694,7 +13804,7 @@
                 <a:spcPts val="0"/>
               </a:spcBef>
             </a:pPr>
-            <a:endParaRPr lang="en-US" sz="2400" spc="0">
+            <a:endParaRPr lang="en-US" sz="2400" spc="0" dirty="0">
               <a:solidFill>
                 <a:srgbClr val="000000"/>
               </a:solidFill>
@@ -13707,7 +13817,7 @@
               </a:spcBef>
             </a:pPr>
             <a:r>
-              <a:rPr lang="zh-TW" altLang="en-US" sz="2400" spc="0">
+              <a:rPr lang="zh-TW" altLang="en-US" sz="2400" spc="0" dirty="0">
                 <a:solidFill>
                   <a:srgbClr val="000000"/>
                 </a:solidFill>
@@ -13715,7 +13825,7 @@
               <a:t>電影時常出現在上映當下評價與後來評價落差巨大問題</a:t>
             </a:r>
             <a:r>
-              <a:rPr lang="en-US" sz="2400" spc="0">
+              <a:rPr lang="en-US" sz="2400" spc="0" dirty="0">
                 <a:solidFill>
                   <a:srgbClr val="000000"/>
                 </a:solidFill>
@@ -13731,14 +13841,14 @@
               <a:buNone/>
             </a:pPr>
             <a:r>
-              <a:rPr lang="zh-TW" altLang="en-US" sz="2400" spc="0">
+              <a:rPr lang="zh-TW" altLang="en-US" sz="2400" spc="0" dirty="0">
                 <a:solidFill>
                   <a:srgbClr val="000000"/>
                 </a:solidFill>
               </a:rPr>
               <a:t>將評論時間納入考量</a:t>
             </a:r>
-            <a:endParaRPr lang="en-US" sz="2400" spc="0">
+            <a:endParaRPr lang="en-US" sz="2400" spc="0" dirty="0">
               <a:solidFill>
                 <a:srgbClr val="000000"/>
               </a:solidFill>
@@ -13750,7 +13860,7 @@
                 <a:spcPts val="0"/>
               </a:spcBef>
             </a:pPr>
-            <a:endParaRPr lang="en-US" sz="2400" spc="0">
+            <a:endParaRPr lang="en-US" sz="2400" spc="0" dirty="0">
               <a:solidFill>
                 <a:srgbClr val="000000"/>
               </a:solidFill>
@@ -13763,7 +13873,7 @@
               </a:spcBef>
             </a:pPr>
             <a:r>
-              <a:rPr lang="zh-TW" altLang="en-US" sz="2400" spc="0">
+              <a:rPr lang="zh-TW" altLang="en-US" sz="2400" spc="0" dirty="0">
                 <a:solidFill>
                   <a:srgbClr val="000000"/>
                 </a:solidFill>
@@ -13771,7 +13881,7 @@
               <a:t>如果以單一網站為來源，會不會出現評價標準偏差無法推及網站用戶以外使用者的問題</a:t>
             </a:r>
             <a:r>
-              <a:rPr lang="en-US" sz="2400" spc="0">
+              <a:rPr lang="en-US" sz="2400" spc="0" dirty="0">
                 <a:solidFill>
                   <a:srgbClr val="000000"/>
                 </a:solidFill>
@@ -13787,7 +13897,7 @@
               <a:buNone/>
             </a:pPr>
             <a:r>
-              <a:rPr lang="zh-TW" altLang="en-US" sz="2400" spc="0">
+              <a:rPr lang="zh-TW" altLang="en-US" sz="2400" spc="0" dirty="0">
                 <a:solidFill>
                   <a:srgbClr val="000000"/>
                 </a:solidFill>
@@ -13801,7 +13911,7 @@
                 <a:spcPts val="0"/>
               </a:spcBef>
             </a:pPr>
-            <a:endParaRPr lang="en-US" sz="2400" spc="0">
+            <a:endParaRPr lang="en-US" sz="2400" spc="0" dirty="0">
               <a:solidFill>
                 <a:srgbClr val="000000"/>
               </a:solidFill>
@@ -13814,14 +13924,6 @@
   <p:clrMapOvr>
     <a:masterClrMapping/>
   </p:clrMapOvr>
-  <mc:AlternateContent xmlns:mc="http://schemas.openxmlformats.org/markup-compatibility/2006">
-    <mc:Choice xmlns:p14="http://schemas.microsoft.com/office/powerpoint/2010/main" Requires="p14">
-      <p:transition spd="slow" p14:dur="2000"/>
-    </mc:Choice>
-    <mc:Fallback>
-      <p:transition spd="slow"/>
-    </mc:Fallback>
-  </mc:AlternateContent>
 </p:sld>
 </file>
 

--- a/potato.pptx
+++ b/potato.pptx
@@ -8,7 +8,7 @@
     <p:sldMasterId id="2147483687" r:id="rId4"/>
   </p:sldMasterIdLst>
   <p:notesMasterIdLst>
-    <p:notesMasterId r:id="rId21"/>
+    <p:notesMasterId r:id="rId17"/>
   </p:notesMasterIdLst>
   <p:sldIdLst>
     <p:sldId id="256" r:id="rId5"/>
@@ -16,17 +16,13 @@
     <p:sldId id="258" r:id="rId7"/>
     <p:sldId id="259" r:id="rId8"/>
     <p:sldId id="260" r:id="rId9"/>
-    <p:sldId id="261" r:id="rId10"/>
-    <p:sldId id="262" r:id="rId11"/>
-    <p:sldId id="263" r:id="rId12"/>
-    <p:sldId id="266" r:id="rId13"/>
-    <p:sldId id="267" r:id="rId14"/>
-    <p:sldId id="268" r:id="rId15"/>
-    <p:sldId id="271" r:id="rId16"/>
-    <p:sldId id="273" r:id="rId17"/>
-    <p:sldId id="269" r:id="rId18"/>
-    <p:sldId id="270" r:id="rId19"/>
-    <p:sldId id="272" r:id="rId20"/>
+    <p:sldId id="262" r:id="rId10"/>
+    <p:sldId id="263" r:id="rId11"/>
+    <p:sldId id="266" r:id="rId12"/>
+    <p:sldId id="267" r:id="rId13"/>
+    <p:sldId id="268" r:id="rId14"/>
+    <p:sldId id="269" r:id="rId15"/>
+    <p:sldId id="270" r:id="rId16"/>
   </p:sldIdLst>
   <p:sldSz cx="10080625" cy="5670550"/>
   <p:notesSz cx="7559675" cy="10691813"/>
@@ -739,7 +735,7 @@
               </a:defRPr>
             </a:pPr>
             <a:fld id="{D1E86434-2E77-4595-BB0D-CD1EE7A356DA}" type="slidenum">
-              <a:t>9</a:t>
+              <a:t>8</a:t>
             </a:fld>
             <a:endParaRPr lang="en-US" sz="1200" b="0" i="0" u="none" strike="noStrike" kern="1200" cap="none" spc="0" baseline="0">
               <a:solidFill>
@@ -10368,7 +10364,13 @@
       </p:grpSpPr>
       <p:pic>
         <p:nvPicPr>
-          <p:cNvPr id="4" name="內容版面配置區 3"/>
+          <p:cNvPr id="5" name="內容版面配置區 4">
+            <a:extLst>
+              <a:ext uri="{FF2B5EF4-FFF2-40B4-BE49-F238E27FC236}">
+                <a16:creationId xmlns:a16="http://schemas.microsoft.com/office/drawing/2014/main" id="{82CCF69B-6B26-4E5E-9E8E-B9410542A296}"/>
+              </a:ext>
+            </a:extLst>
+          </p:cNvPr>
           <p:cNvPicPr>
             <a:picLocks noGrp="1" noChangeAspect="1"/>
           </p:cNvPicPr>
@@ -10377,90 +10379,58 @@
           </p:nvPr>
         </p:nvPicPr>
         <p:blipFill>
-          <a:blip r:embed="rId2"/>
+          <a:blip r:embed="rId2">
+            <a:extLst>
+              <a:ext uri="{28A0092B-C50C-407E-A947-70E740481C1C}">
+                <a14:useLocalDpi xmlns:a14="http://schemas.microsoft.com/office/drawing/2010/main" val="0"/>
+              </a:ext>
+            </a:extLst>
+          </a:blip>
           <a:stretch>
             <a:fillRect/>
           </a:stretch>
         </p:blipFill>
         <p:spPr>
           <a:xfrm>
-            <a:off x="1673165" y="317484"/>
-            <a:ext cx="3851089" cy="5035581"/>
-          </a:xfrm>
-          <a:prstGeom prst="rect">
-            <a:avLst/>
-          </a:prstGeom>
+            <a:off x="553964" y="1282837"/>
+            <a:ext cx="7520778" cy="3740493"/>
+          </a:xfrm>
         </p:spPr>
       </p:pic>
       <p:sp>
         <p:nvSpPr>
-          <p:cNvPr id="3" name="文字方塊 2">
+          <p:cNvPr id="6" name="標題 1">
             <a:extLst>
               <a:ext uri="{FF2B5EF4-FFF2-40B4-BE49-F238E27FC236}">
-                <a16:creationId xmlns:a16="http://schemas.microsoft.com/office/drawing/2014/main" id="{CB0AE81A-A14E-4FAD-AF89-B607FD4C6C6E}"/>
+                <a16:creationId xmlns:a16="http://schemas.microsoft.com/office/drawing/2014/main" id="{A71A5AD0-AACE-4D43-95C1-1277DD003EFF}"/>
               </a:ext>
             </a:extLst>
           </p:cNvPr>
-          <p:cNvSpPr txBox="1"/>
-          <p:nvPr/>
-        </p:nvSpPr>
-        <p:spPr>
-          <a:xfrm>
-            <a:off x="6481915" y="2315496"/>
-            <a:ext cx="1806905" cy="1200329"/>
-          </a:xfrm>
-          <a:prstGeom prst="rect">
-            <a:avLst/>
-          </a:prstGeom>
-          <a:noFill/>
-        </p:spPr>
-        <p:txBody>
-          <a:bodyPr wrap="none" rtlCol="0">
-            <a:spAutoFit/>
-          </a:bodyPr>
+          <p:cNvSpPr txBox="1">
+            <a:spLocks noGrp="1"/>
+          </p:cNvSpPr>
+          <p:nvPr>
+            <p:ph type="title"/>
+          </p:nvPr>
+        </p:nvSpPr>
+        <p:spPr>
+          <a:xfrm>
+            <a:off x="504490" y="359626"/>
+            <a:ext cx="9071643" cy="575187"/>
+          </a:xfrm>
+        </p:spPr>
+        <p:txBody>
+          <a:bodyPr/>
           <a:lstStyle/>
           <a:p>
+            <a:pPr lvl="0"/>
             <a:r>
-              <a:rPr lang="zh-TW" altLang="en-US" dirty="0"/>
-              <a:t>神力女超人</a:t>
-            </a:r>
-            <a:r>
-              <a:rPr lang="en-US" altLang="zh-TW" dirty="0"/>
-              <a:t>1984</a:t>
-            </a:r>
-          </a:p>
-          <a:p>
-            <a:r>
-              <a:rPr lang="zh-TW" altLang="en-US" dirty="0"/>
-              <a:t>好評</a:t>
-            </a:r>
-            <a:r>
-              <a:rPr lang="en-US" altLang="zh-TW" dirty="0"/>
-              <a:t>:36</a:t>
-            </a:r>
-          </a:p>
-          <a:p>
-            <a:r>
-              <a:rPr lang="zh-TW" altLang="en-US" dirty="0"/>
-              <a:t>負評</a:t>
-            </a:r>
-            <a:r>
-              <a:rPr lang="en-US" altLang="zh-TW" dirty="0"/>
-              <a:t>:23</a:t>
-            </a:r>
-          </a:p>
-          <a:p>
-            <a:r>
-              <a:rPr lang="zh-TW" altLang="en-US" dirty="0"/>
-              <a:t>共</a:t>
-            </a:r>
-            <a:r>
-              <a:rPr lang="en-US" altLang="zh-TW" dirty="0"/>
-              <a:t>88</a:t>
-            </a:r>
-            <a:r>
-              <a:rPr lang="zh-TW" altLang="en-US" dirty="0"/>
-              <a:t>筆資料</a:t>
+              <a:rPr lang="en-US" sz="2800" spc="0" dirty="0">
+                <a:solidFill>
+                  <a:srgbClr val="000000"/>
+                </a:solidFill>
+              </a:rPr>
+              <a:t>code</a:t>
             </a:r>
           </a:p>
         </p:txBody>
@@ -10468,7 +10438,7 @@
     </p:spTree>
     <p:extLst>
       <p:ext uri="{BB962C8B-B14F-4D97-AF65-F5344CB8AC3E}">
-        <p14:creationId xmlns:p14="http://schemas.microsoft.com/office/powerpoint/2010/main" val="2482578237"/>
+        <p14:creationId xmlns:p14="http://schemas.microsoft.com/office/powerpoint/2010/main" val="2450378491"/>
       </p:ext>
     </p:extLst>
   </p:cSld>
@@ -10497,13 +10467,7 @@
       </p:grpSpPr>
       <p:pic>
         <p:nvPicPr>
-          <p:cNvPr id="5" name="內容版面配置區 4">
-            <a:extLst>
-              <a:ext uri="{FF2B5EF4-FFF2-40B4-BE49-F238E27FC236}">
-                <a16:creationId xmlns:a16="http://schemas.microsoft.com/office/drawing/2014/main" id="{82CCF69B-6B26-4E5E-9E8E-B9410542A296}"/>
-              </a:ext>
-            </a:extLst>
-          </p:cNvPr>
+          <p:cNvPr id="14" name="內容版面配置區 13"/>
           <p:cNvPicPr>
             <a:picLocks noGrp="1" noChangeAspect="1"/>
           </p:cNvPicPr>
@@ -10525,293 +10489,6 @@
         </p:blipFill>
         <p:spPr>
           <a:xfrm>
-            <a:off x="553964" y="1282837"/>
-            <a:ext cx="7520778" cy="3740493"/>
-          </a:xfrm>
-        </p:spPr>
-      </p:pic>
-      <p:sp>
-        <p:nvSpPr>
-          <p:cNvPr id="6" name="標題 1">
-            <a:extLst>
-              <a:ext uri="{FF2B5EF4-FFF2-40B4-BE49-F238E27FC236}">
-                <a16:creationId xmlns:a16="http://schemas.microsoft.com/office/drawing/2014/main" id="{A71A5AD0-AACE-4D43-95C1-1277DD003EFF}"/>
-              </a:ext>
-            </a:extLst>
-          </p:cNvPr>
-          <p:cNvSpPr txBox="1">
-            <a:spLocks noGrp="1"/>
-          </p:cNvSpPr>
-          <p:nvPr>
-            <p:ph type="title"/>
-          </p:nvPr>
-        </p:nvSpPr>
-        <p:spPr>
-          <a:xfrm>
-            <a:off x="504490" y="359626"/>
-            <a:ext cx="9071643" cy="575187"/>
-          </a:xfrm>
-        </p:spPr>
-        <p:txBody>
-          <a:bodyPr/>
-          <a:lstStyle/>
-          <a:p>
-            <a:pPr lvl="0"/>
-            <a:r>
-              <a:rPr lang="en-US" sz="2800" spc="0" dirty="0">
-                <a:solidFill>
-                  <a:srgbClr val="000000"/>
-                </a:solidFill>
-              </a:rPr>
-              <a:t>code</a:t>
-            </a:r>
-          </a:p>
-        </p:txBody>
-      </p:sp>
-    </p:spTree>
-    <p:extLst>
-      <p:ext uri="{BB962C8B-B14F-4D97-AF65-F5344CB8AC3E}">
-        <p14:creationId xmlns:p14="http://schemas.microsoft.com/office/powerpoint/2010/main" val="2450378491"/>
-      </p:ext>
-    </p:extLst>
-  </p:cSld>
-  <p:clrMapOvr>
-    <a:masterClrMapping/>
-  </p:clrMapOvr>
-  <p:timing>
-    <p:tnLst>
-      <p:par>
-        <p:cTn id="1" dur="indefinite" restart="never" nodeType="tmRoot"/>
-      </p:par>
-    </p:tnLst>
-  </p:timing>
-</p:sld>
-</file>
-
-<file path=ppt/slides/slide12.xml><?xml version="1.0" encoding="utf-8"?>
-<p:sld xmlns:a="http://schemas.openxmlformats.org/drawingml/2006/main" xmlns:r="http://schemas.openxmlformats.org/officeDocument/2006/relationships" xmlns:p="http://schemas.openxmlformats.org/presentationml/2006/main">
-  <p:cSld>
-    <p:spTree>
-      <p:nvGrpSpPr>
-        <p:cNvPr id="1" name=""/>
-        <p:cNvGrpSpPr/>
-        <p:nvPr/>
-      </p:nvGrpSpPr>
-      <p:grpSpPr>
-        <a:xfrm>
-          <a:off x="0" y="0"/>
-          <a:ext cx="0" cy="0"/>
-          <a:chOff x="0" y="0"/>
-          <a:chExt cx="0" cy="0"/>
-        </a:xfrm>
-      </p:grpSpPr>
-      <p:sp>
-        <p:nvSpPr>
-          <p:cNvPr id="6" name="標題 1">
-            <a:extLst>
-              <a:ext uri="{FF2B5EF4-FFF2-40B4-BE49-F238E27FC236}">
-                <a16:creationId xmlns:a16="http://schemas.microsoft.com/office/drawing/2014/main" id="{A71A5AD0-AACE-4D43-95C1-1277DD003EFF}"/>
-              </a:ext>
-            </a:extLst>
-          </p:cNvPr>
-          <p:cNvSpPr txBox="1">
-            <a:spLocks noGrp="1"/>
-          </p:cNvSpPr>
-          <p:nvPr>
-            <p:ph type="title"/>
-          </p:nvPr>
-        </p:nvSpPr>
-        <p:spPr>
-          <a:xfrm>
-            <a:off x="504490" y="359626"/>
-            <a:ext cx="9071643" cy="575187"/>
-          </a:xfrm>
-        </p:spPr>
-        <p:txBody>
-          <a:bodyPr/>
-          <a:lstStyle/>
-          <a:p>
-            <a:pPr lvl="0"/>
-            <a:r>
-              <a:rPr lang="en-US" sz="2800" spc="0" dirty="0">
-                <a:solidFill>
-                  <a:srgbClr val="000000"/>
-                </a:solidFill>
-              </a:rPr>
-              <a:t>code</a:t>
-            </a:r>
-          </a:p>
-        </p:txBody>
-      </p:sp>
-      <p:sp>
-        <p:nvSpPr>
-          <p:cNvPr id="2" name="內容版面配置區 1"/>
-          <p:cNvSpPr>
-            <a:spLocks noGrp="1"/>
-          </p:cNvSpPr>
-          <p:nvPr>
-            <p:ph idx="1"/>
-          </p:nvPr>
-        </p:nvSpPr>
-        <p:spPr/>
-        <p:txBody>
-          <a:bodyPr/>
-          <a:lstStyle/>
-          <a:p>
-            <a:endParaRPr lang="zh-TW" altLang="en-US"/>
-          </a:p>
-        </p:txBody>
-      </p:sp>
-    </p:spTree>
-    <p:extLst>
-      <p:ext uri="{BB962C8B-B14F-4D97-AF65-F5344CB8AC3E}">
-        <p14:creationId xmlns:p14="http://schemas.microsoft.com/office/powerpoint/2010/main" val="2354948327"/>
-      </p:ext>
-    </p:extLst>
-  </p:cSld>
-  <p:clrMapOvr>
-    <a:masterClrMapping/>
-  </p:clrMapOvr>
-  <p:timing>
-    <p:tnLst>
-      <p:par>
-        <p:cTn id="1" dur="indefinite" restart="never" nodeType="tmRoot"/>
-      </p:par>
-    </p:tnLst>
-  </p:timing>
-</p:sld>
-</file>
-
-<file path=ppt/slides/slide13.xml><?xml version="1.0" encoding="utf-8"?>
-<p:sld xmlns:a="http://schemas.openxmlformats.org/drawingml/2006/main" xmlns:r="http://schemas.openxmlformats.org/officeDocument/2006/relationships" xmlns:p="http://schemas.openxmlformats.org/presentationml/2006/main">
-  <p:cSld>
-    <p:spTree>
-      <p:nvGrpSpPr>
-        <p:cNvPr id="1" name=""/>
-        <p:cNvGrpSpPr/>
-        <p:nvPr/>
-      </p:nvGrpSpPr>
-      <p:grpSpPr>
-        <a:xfrm>
-          <a:off x="0" y="0"/>
-          <a:ext cx="0" cy="0"/>
-          <a:chOff x="0" y="0"/>
-          <a:chExt cx="0" cy="0"/>
-        </a:xfrm>
-      </p:grpSpPr>
-      <p:sp>
-        <p:nvSpPr>
-          <p:cNvPr id="2" name="標題 1"/>
-          <p:cNvSpPr>
-            <a:spLocks noGrp="1"/>
-          </p:cNvSpPr>
-          <p:nvPr>
-            <p:ph type="title"/>
-          </p:nvPr>
-        </p:nvSpPr>
-        <p:spPr>
-          <a:xfrm>
-            <a:off x="503998" y="352803"/>
-            <a:ext cx="9071643" cy="879098"/>
-          </a:xfrm>
-        </p:spPr>
-        <p:txBody>
-          <a:bodyPr/>
-          <a:lstStyle/>
-          <a:p>
-            <a:r>
-              <a:rPr lang="zh-TW" altLang="en-US" dirty="0" smtClean="0">
-                <a:solidFill>
-                  <a:schemeClr val="tx1"/>
-                </a:solidFill>
-                <a:latin typeface="微軟正黑體" panose="020B0604030504040204" pitchFamily="34" charset="-120"/>
-                <a:ea typeface="微軟正黑體" panose="020B0604030504040204" pitchFamily="34" charset="-120"/>
-              </a:rPr>
-              <a:t>結果分析</a:t>
-            </a:r>
-            <a:endParaRPr lang="zh-TW" altLang="en-US" dirty="0">
-              <a:solidFill>
-                <a:schemeClr val="tx1"/>
-              </a:solidFill>
-              <a:latin typeface="微軟正黑體" panose="020B0604030504040204" pitchFamily="34" charset="-120"/>
-              <a:ea typeface="微軟正黑體" panose="020B0604030504040204" pitchFamily="34" charset="-120"/>
-            </a:endParaRPr>
-          </a:p>
-        </p:txBody>
-      </p:sp>
-      <p:sp>
-        <p:nvSpPr>
-          <p:cNvPr id="3" name="內容版面配置區 2"/>
-          <p:cNvSpPr>
-            <a:spLocks noGrp="1"/>
-          </p:cNvSpPr>
-          <p:nvPr>
-            <p:ph idx="1"/>
-          </p:nvPr>
-        </p:nvSpPr>
-        <p:spPr/>
-        <p:txBody>
-          <a:bodyPr/>
-          <a:lstStyle/>
-          <a:p>
-            <a:endParaRPr lang="zh-TW" altLang="en-US"/>
-          </a:p>
-        </p:txBody>
-      </p:sp>
-    </p:spTree>
-    <p:extLst>
-      <p:ext uri="{BB962C8B-B14F-4D97-AF65-F5344CB8AC3E}">
-        <p14:creationId xmlns:p14="http://schemas.microsoft.com/office/powerpoint/2010/main" val="3337021992"/>
-      </p:ext>
-    </p:extLst>
-  </p:cSld>
-  <p:clrMapOvr>
-    <a:masterClrMapping/>
-  </p:clrMapOvr>
-</p:sld>
-</file>
-
-<file path=ppt/slides/slide14.xml><?xml version="1.0" encoding="utf-8"?>
-<p:sld xmlns:a="http://schemas.openxmlformats.org/drawingml/2006/main" xmlns:r="http://schemas.openxmlformats.org/officeDocument/2006/relationships" xmlns:p="http://schemas.openxmlformats.org/presentationml/2006/main">
-  <p:cSld>
-    <p:spTree>
-      <p:nvGrpSpPr>
-        <p:cNvPr id="1" name=""/>
-        <p:cNvGrpSpPr/>
-        <p:nvPr/>
-      </p:nvGrpSpPr>
-      <p:grpSpPr>
-        <a:xfrm>
-          <a:off x="0" y="0"/>
-          <a:ext cx="0" cy="0"/>
-          <a:chOff x="0" y="0"/>
-          <a:chExt cx="0" cy="0"/>
-        </a:xfrm>
-      </p:grpSpPr>
-      <p:pic>
-        <p:nvPicPr>
-          <p:cNvPr id="14" name="內容版面配置區 13"/>
-          <p:cNvPicPr>
-            <a:picLocks noGrp="1" noChangeAspect="1"/>
-          </p:cNvPicPr>
-          <p:nvPr>
-            <p:ph idx="1"/>
-          </p:nvPr>
-        </p:nvPicPr>
-        <p:blipFill>
-          <a:blip r:embed="rId2">
-            <a:extLst>
-              <a:ext uri="{28A0092B-C50C-407E-A947-70E740481C1C}">
-                <a14:useLocalDpi xmlns:a14="http://schemas.microsoft.com/office/drawing/2010/main" val="0"/>
-              </a:ext>
-            </a:extLst>
-          </a:blip>
-          <a:stretch>
-            <a:fillRect/>
-          </a:stretch>
-        </p:blipFill>
-        <p:spPr>
-          <a:xfrm>
             <a:off x="-1" y="0"/>
             <a:ext cx="10080625" cy="6048375"/>
           </a:xfrm>
@@ -10827,17 +10504,10 @@
   <p:clrMapOvr>
     <a:masterClrMapping/>
   </p:clrMapOvr>
-  <p:timing>
-    <p:tnLst>
-      <p:par>
-        <p:cTn id="1" dur="indefinite" restart="never" nodeType="tmRoot"/>
-      </p:par>
-    </p:tnLst>
-  </p:timing>
 </p:sld>
 </file>
 
-<file path=ppt/slides/slide15.xml><?xml version="1.0" encoding="utf-8"?>
+<file path=ppt/slides/slide12.xml><?xml version="1.0" encoding="utf-8"?>
 <p:sld xmlns:a="http://schemas.openxmlformats.org/drawingml/2006/main" xmlns:r="http://schemas.openxmlformats.org/officeDocument/2006/relationships" xmlns:p="http://schemas.openxmlformats.org/presentationml/2006/main">
   <p:cSld>
     <p:spTree>
@@ -10887,81 +10557,6 @@
     <p:extLst>
       <p:ext uri="{BB962C8B-B14F-4D97-AF65-F5344CB8AC3E}">
         <p14:creationId xmlns:p14="http://schemas.microsoft.com/office/powerpoint/2010/main" val="1984168561"/>
-      </p:ext>
-    </p:extLst>
-  </p:cSld>
-  <p:clrMapOvr>
-    <a:masterClrMapping/>
-  </p:clrMapOvr>
-  <p:timing>
-    <p:tnLst>
-      <p:par>
-        <p:cTn id="1" dur="indefinite" restart="never" nodeType="tmRoot"/>
-      </p:par>
-    </p:tnLst>
-  </p:timing>
-</p:sld>
-</file>
-
-<file path=ppt/slides/slide16.xml><?xml version="1.0" encoding="utf-8"?>
-<p:sld xmlns:a="http://schemas.openxmlformats.org/drawingml/2006/main" xmlns:r="http://schemas.openxmlformats.org/officeDocument/2006/relationships" xmlns:p="http://schemas.openxmlformats.org/presentationml/2006/main">
-  <p:cSld>
-    <p:spTree>
-      <p:nvGrpSpPr>
-        <p:cNvPr id="1" name=""/>
-        <p:cNvGrpSpPr/>
-        <p:nvPr/>
-      </p:nvGrpSpPr>
-      <p:grpSpPr>
-        <a:xfrm>
-          <a:off x="0" y="0"/>
-          <a:ext cx="0" cy="0"/>
-          <a:chOff x="0" y="0"/>
-          <a:chExt cx="0" cy="0"/>
-        </a:xfrm>
-      </p:grpSpPr>
-      <p:sp>
-        <p:nvSpPr>
-          <p:cNvPr id="2" name="標題 1"/>
-          <p:cNvSpPr>
-            <a:spLocks noGrp="1"/>
-          </p:cNvSpPr>
-          <p:nvPr>
-            <p:ph type="title"/>
-          </p:nvPr>
-        </p:nvSpPr>
-        <p:spPr/>
-        <p:txBody>
-          <a:bodyPr/>
-          <a:lstStyle/>
-          <a:p>
-            <a:endParaRPr lang="zh-TW" altLang="en-US"/>
-          </a:p>
-        </p:txBody>
-      </p:sp>
-      <p:sp>
-        <p:nvSpPr>
-          <p:cNvPr id="3" name="內容版面配置區 2"/>
-          <p:cNvSpPr>
-            <a:spLocks noGrp="1"/>
-          </p:cNvSpPr>
-          <p:nvPr>
-            <p:ph idx="1"/>
-          </p:nvPr>
-        </p:nvSpPr>
-        <p:spPr/>
-        <p:txBody>
-          <a:bodyPr/>
-          <a:lstStyle/>
-          <a:p>
-            <a:endParaRPr lang="zh-TW" altLang="en-US"/>
-          </a:p>
-        </p:txBody>
-      </p:sp>
-    </p:spTree>
-    <p:extLst>
-      <p:ext uri="{BB962C8B-B14F-4D97-AF65-F5344CB8AC3E}">
-        <p14:creationId xmlns:p14="http://schemas.microsoft.com/office/powerpoint/2010/main" val="392892618"/>
       </p:ext>
     </p:extLst>
   </p:cSld>
@@ -11252,18 +10847,6 @@
                 <a:uFillTx/>
               </a:defRPr>
             </a:pPr>
-            <a:r>
-              <a:rPr lang="en-US" sz="2400" b="0" i="0" u="none" strike="noStrike" kern="1200" cap="none" spc="0" baseline="0">
-                <a:solidFill>
-                  <a:srgbClr val="000000"/>
-                </a:solidFill>
-                <a:uFillTx/>
-                <a:latin typeface="Arial"/>
-                <a:ea typeface="DejaVu Sans"/>
-                <a:cs typeface="DejaVu Sans"/>
-              </a:rPr>
-              <a:t/>
-            </a:r>
             <a:br>
               <a:rPr lang="en-US" sz="2400" b="0" i="0" u="none" strike="noStrike" kern="1200" cap="none" spc="0" baseline="0">
                 <a:solidFill>
@@ -11709,18 +11292,6 @@
               </a:rPr>
               <a:t>依據</a:t>
             </a:r>
-            <a:r>
-              <a:rPr lang="en-US" sz="2000" b="0" i="0" u="none" strike="noStrike" kern="1200" cap="none" spc="0" baseline="0">
-                <a:solidFill>
-                  <a:srgbClr val="000000"/>
-                </a:solidFill>
-                <a:uFillTx/>
-                <a:latin typeface="Arial"/>
-                <a:ea typeface="DejaVu Sans"/>
-                <a:cs typeface="DejaVu Sans"/>
-              </a:rPr>
-              <a:t/>
-            </a:r>
             <a:br>
               <a:rPr lang="en-US" sz="2000" b="0" i="0" u="none" strike="noStrike" kern="1200" cap="none" spc="0" baseline="0">
                 <a:solidFill>
@@ -12268,18 +11839,6 @@
                 <a:uFillTx/>
               </a:defRPr>
             </a:pPr>
-            <a:r>
-              <a:rPr lang="en-US" sz="2400" b="0" i="0" u="none" strike="noStrike" kern="1200" cap="none" spc="0" baseline="0" dirty="0">
-                <a:solidFill>
-                  <a:srgbClr val="000000"/>
-                </a:solidFill>
-                <a:uFillTx/>
-                <a:latin typeface="Arial"/>
-                <a:ea typeface="DejaVu Sans"/>
-                <a:cs typeface="DejaVu Sans"/>
-              </a:rPr>
-              <a:t/>
-            </a:r>
             <a:br>
               <a:rPr lang="en-US" sz="2400" b="0" i="0" u="none" strike="noStrike" kern="1200" cap="none" spc="0" baseline="0" dirty="0">
                 <a:solidFill>
@@ -12758,18 +12317,6 @@
                 <a:uFillTx/>
               </a:defRPr>
             </a:pPr>
-            <a:r>
-              <a:rPr lang="en-US" sz="2200" b="0" i="0" u="none" strike="noStrike" kern="1200" cap="none" spc="0" baseline="0">
-                <a:solidFill>
-                  <a:srgbClr val="000000"/>
-                </a:solidFill>
-                <a:uFillTx/>
-                <a:latin typeface="Arial"/>
-                <a:ea typeface="DejaVu Sans"/>
-                <a:cs typeface="DejaVu Sans"/>
-              </a:rPr>
-              <a:t/>
-            </a:r>
             <a:br>
               <a:rPr lang="en-US" sz="2200" b="0" i="0" u="none" strike="noStrike" kern="1200" cap="none" spc="0" baseline="0">
                 <a:solidFill>
@@ -12802,228 +12349,6 @@
 </file>
 
 <file path=ppt/slides/slide6.xml><?xml version="1.0" encoding="utf-8"?>
-<p:sld xmlns:a="http://schemas.openxmlformats.org/drawingml/2006/main" xmlns:r="http://schemas.openxmlformats.org/officeDocument/2006/relationships" xmlns:p="http://schemas.openxmlformats.org/presentationml/2006/main">
-  <p:cSld name="Slide6">
-    <p:spTree>
-      <p:nvGrpSpPr>
-        <p:cNvPr id="1" name=""/>
-        <p:cNvGrpSpPr/>
-        <p:nvPr/>
-      </p:nvGrpSpPr>
-      <p:grpSpPr>
-        <a:xfrm>
-          <a:off x="0" y="0"/>
-          <a:ext cx="0" cy="0"/>
-          <a:chOff x="0" y="0"/>
-          <a:chExt cx="0" cy="0"/>
-        </a:xfrm>
-      </p:grpSpPr>
-      <p:sp>
-        <p:nvSpPr>
-          <p:cNvPr id="2" name="TextShape 1"/>
-          <p:cNvSpPr txBox="1"/>
-          <p:nvPr/>
-        </p:nvSpPr>
-        <p:spPr>
-          <a:xfrm>
-            <a:off x="503998" y="225719"/>
-            <a:ext cx="9071643" cy="946797"/>
-          </a:xfrm>
-          <a:prstGeom prst="rect">
-            <a:avLst/>
-          </a:prstGeom>
-          <a:noFill/>
-          <a:ln cap="flat">
-            <a:noFill/>
-          </a:ln>
-        </p:spPr>
-        <p:txBody>
-          <a:bodyPr vert="horz" wrap="square" lIns="0" tIns="0" rIns="0" bIns="0" anchor="ctr" anchorCtr="1" compatLnSpc="1">
-            <a:noAutofit/>
-          </a:bodyPr>
-          <a:lstStyle/>
-          <a:p>
-            <a:pPr marL="0" marR="0" lvl="0" indent="0" algn="ctr" defTabSz="914400" rtl="0" fontAlgn="auto" hangingPunct="1">
-              <a:lnSpc>
-                <a:spcPct val="100000"/>
-              </a:lnSpc>
-              <a:spcBef>
-                <a:spcPts val="0"/>
-              </a:spcBef>
-              <a:spcAft>
-                <a:spcPts val="0"/>
-              </a:spcAft>
-              <a:buNone/>
-              <a:tabLst/>
-              <a:defRPr sz="1800" b="0" i="0" u="none" strike="noStrike" kern="0" cap="none" spc="0" baseline="0">
-                <a:solidFill>
-                  <a:srgbClr val="000000"/>
-                </a:solidFill>
-                <a:uFillTx/>
-              </a:defRPr>
-            </a:pPr>
-            <a:r>
-              <a:rPr lang="en-US" sz="3300" b="0" i="0" u="none" strike="noStrike" kern="1200" cap="none" spc="-1" baseline="0">
-                <a:solidFill>
-                  <a:srgbClr val="000000"/>
-                </a:solidFill>
-                <a:uFillTx/>
-                <a:latin typeface="Arial"/>
-                <a:ea typeface="DejaVu Sans"/>
-                <a:cs typeface="DejaVu Sans"/>
-              </a:rPr>
-              <a:t>Work flow</a:t>
-            </a:r>
-          </a:p>
-        </p:txBody>
-      </p:sp>
-      <p:sp>
-        <p:nvSpPr>
-          <p:cNvPr id="3" name="TextShape 2"/>
-          <p:cNvSpPr txBox="1"/>
-          <p:nvPr/>
-        </p:nvSpPr>
-        <p:spPr>
-          <a:xfrm>
-            <a:off x="503998" y="1326602"/>
-            <a:ext cx="9071643" cy="3288237"/>
-          </a:xfrm>
-          <a:prstGeom prst="rect">
-            <a:avLst/>
-          </a:prstGeom>
-          <a:noFill/>
-          <a:ln cap="flat">
-            <a:noFill/>
-          </a:ln>
-        </p:spPr>
-        <p:txBody>
-          <a:bodyPr vert="horz" wrap="square" lIns="0" tIns="0" rIns="0" bIns="0" anchor="t" anchorCtr="0" compatLnSpc="1">
-            <a:normAutofit/>
-          </a:bodyPr>
-          <a:lstStyle/>
-          <a:p>
-            <a:pPr marL="431999" marR="0" lvl="0" indent="-323999" algn="l" defTabSz="914400" rtl="0" fontAlgn="auto" hangingPunct="1">
-              <a:lnSpc>
-                <a:spcPct val="100000"/>
-              </a:lnSpc>
-              <a:spcBef>
-                <a:spcPts val="1060"/>
-              </a:spcBef>
-              <a:spcAft>
-                <a:spcPts val="0"/>
-              </a:spcAft>
-              <a:buClr>
-                <a:srgbClr val="000000"/>
-              </a:buClr>
-              <a:buSzPct val="45000"/>
-              <a:buFont typeface="Wingdings"/>
-              <a:buChar char=""/>
-              <a:tabLst/>
-              <a:defRPr sz="1800" b="0" i="0" u="none" strike="noStrike" kern="0" cap="none" spc="0" baseline="0">
-                <a:solidFill>
-                  <a:srgbClr val="000000"/>
-                </a:solidFill>
-                <a:uFillTx/>
-              </a:defRPr>
-            </a:pPr>
-            <a:r>
-              <a:rPr lang="zh-TW" sz="2400" b="0" i="0" u="none" strike="noStrike" kern="1200" cap="none" spc="-1" baseline="0">
-                <a:solidFill>
-                  <a:srgbClr val="000000"/>
-                </a:solidFill>
-                <a:uFillTx/>
-                <a:latin typeface="Arial"/>
-                <a:ea typeface="DejaVu Sans"/>
-                <a:cs typeface="DejaVu Sans"/>
-              </a:rPr>
-              <a:t>程式流程方塊圖</a:t>
-            </a:r>
-            <a:endParaRPr lang="en-US" sz="2400" b="0" i="0" u="none" strike="noStrike" kern="1200" cap="none" spc="-1" baseline="0">
-              <a:solidFill>
-                <a:srgbClr val="000000"/>
-              </a:solidFill>
-              <a:uFillTx/>
-              <a:latin typeface="Arial"/>
-              <a:ea typeface="DejaVu Sans"/>
-              <a:cs typeface="DejaVu Sans"/>
-            </a:endParaRPr>
-          </a:p>
-          <a:p>
-            <a:pPr marL="431999" marR="0" lvl="0" indent="-323999" algn="l" defTabSz="914400" rtl="0" fontAlgn="auto" hangingPunct="1">
-              <a:lnSpc>
-                <a:spcPct val="100000"/>
-              </a:lnSpc>
-              <a:spcBef>
-                <a:spcPts val="1060"/>
-              </a:spcBef>
-              <a:spcAft>
-                <a:spcPts val="0"/>
-              </a:spcAft>
-              <a:buClr>
-                <a:srgbClr val="000000"/>
-              </a:buClr>
-              <a:buSzPct val="45000"/>
-              <a:buFont typeface="Wingdings"/>
-              <a:buChar char=""/>
-              <a:tabLst/>
-              <a:defRPr sz="1800" b="0" i="0" u="none" strike="noStrike" kern="0" cap="none" spc="0" baseline="0">
-                <a:solidFill>
-                  <a:srgbClr val="000000"/>
-                </a:solidFill>
-                <a:uFillTx/>
-              </a:defRPr>
-            </a:pPr>
-            <a:endParaRPr lang="en-US" sz="2400" b="0" i="0" u="none" strike="noStrike" kern="1200" cap="none" spc="-1" baseline="0">
-              <a:solidFill>
-                <a:srgbClr val="000000"/>
-              </a:solidFill>
-              <a:uFillTx/>
-              <a:latin typeface="Arial"/>
-              <a:ea typeface="DejaVu Sans"/>
-              <a:cs typeface="DejaVu Sans"/>
-            </a:endParaRPr>
-          </a:p>
-        </p:txBody>
-      </p:sp>
-      <p:pic>
-        <p:nvPicPr>
-          <p:cNvPr id="4" name="圖片 2">
-            <a:extLst/>
-          </p:cNvPr>
-          <p:cNvPicPr>
-            <a:picLocks noChangeAspect="1"/>
-          </p:cNvPicPr>
-          <p:nvPr/>
-        </p:nvPicPr>
-        <p:blipFill>
-          <a:blip r:embed="rId2"/>
-          <a:stretch>
-            <a:fillRect/>
-          </a:stretch>
-        </p:blipFill>
-        <p:spPr>
-          <a:xfrm>
-            <a:off x="596024" y="2790584"/>
-            <a:ext cx="9051535" cy="888796"/>
-          </a:xfrm>
-          <a:prstGeom prst="rect">
-            <a:avLst/>
-          </a:prstGeom>
-          <a:noFill/>
-          <a:ln cap="flat">
-            <a:noFill/>
-          </a:ln>
-        </p:spPr>
-      </p:pic>
-    </p:spTree>
-  </p:cSld>
-  <p:clrMapOvr>
-    <a:masterClrMapping/>
-  </p:clrMapOvr>
-</p:sld>
-</file>
-
-<file path=ppt/slides/slide7.xml><?xml version="1.0" encoding="utf-8"?>
 <p:sld xmlns:a="http://schemas.openxmlformats.org/drawingml/2006/main" xmlns:r="http://schemas.openxmlformats.org/officeDocument/2006/relationships" xmlns:p="http://schemas.openxmlformats.org/presentationml/2006/main">
   <p:cSld name="Slide7">
     <p:spTree>
@@ -13361,18 +12686,6 @@
                 <a:uFillTx/>
               </a:defRPr>
             </a:pPr>
-            <a:r>
-              <a:rPr lang="en-US" sz="2400" b="0" i="0" u="none" strike="noStrike" kern="1200" cap="none" spc="0" baseline="0">
-                <a:solidFill>
-                  <a:srgbClr val="000000"/>
-                </a:solidFill>
-                <a:uFillTx/>
-                <a:latin typeface="Arial"/>
-                <a:ea typeface="DejaVu Sans"/>
-                <a:cs typeface="DejaVu Sans"/>
-              </a:rPr>
-              <a:t/>
-            </a:r>
             <a:br>
               <a:rPr lang="en-US" sz="2400" b="0" i="0" u="none" strike="noStrike" kern="1200" cap="none" spc="0" baseline="0">
                 <a:solidFill>
@@ -13404,7 +12717,7 @@
 </p:sld>
 </file>
 
-<file path=ppt/slides/slide8.xml><?xml version="1.0" encoding="utf-8"?>
+<file path=ppt/slides/slide7.xml><?xml version="1.0" encoding="utf-8"?>
 <p:sld xmlns:a="http://schemas.openxmlformats.org/drawingml/2006/main" xmlns:r="http://schemas.openxmlformats.org/officeDocument/2006/relationships" xmlns:p="http://schemas.openxmlformats.org/presentationml/2006/main">
   <p:cSld name="Slide8">
     <p:spTree>
@@ -13477,18 +12790,6 @@
               </a:rPr>
               <a:t>This work is licensed under a Creative Commons Attribution-ShareAlike 3.0 Unported License.</a:t>
             </a:r>
-            <a:r>
-              <a:rPr lang="en-US" sz="1800" b="0" i="0" u="none" strike="noStrike" kern="1200" cap="none" spc="0" baseline="0">
-                <a:solidFill>
-                  <a:srgbClr val="000000"/>
-                </a:solidFill>
-                <a:uFillTx/>
-                <a:latin typeface="Arial"/>
-                <a:ea typeface="DejaVu Sans"/>
-                <a:cs typeface="DejaVu Sans"/>
-              </a:rPr>
-              <a:t/>
-            </a:r>
             <a:br>
               <a:rPr lang="en-US" sz="1800" b="0" i="0" u="none" strike="noStrike" kern="1200" cap="none" spc="0" baseline="0">
                 <a:solidFill>
@@ -13612,7 +12913,7 @@
 </p:sld>
 </file>
 
-<file path=ppt/slides/slide9.xml><?xml version="1.0" encoding="utf-8"?>
+<file path=ppt/slides/slide8.xml><?xml version="1.0" encoding="utf-8"?>
 <p:sld xmlns:a="http://schemas.openxmlformats.org/drawingml/2006/main" xmlns:r="http://schemas.openxmlformats.org/officeDocument/2006/relationships" xmlns:p="http://schemas.openxmlformats.org/presentationml/2006/main">
   <p:cSld name="Slide11">
     <p:spTree>
@@ -13920,6 +13221,62 @@
         </p:txBody>
       </p:sp>
     </p:spTree>
+  </p:cSld>
+  <p:clrMapOvr>
+    <a:masterClrMapping/>
+  </p:clrMapOvr>
+</p:sld>
+</file>
+
+<file path=ppt/slides/slide9.xml><?xml version="1.0" encoding="utf-8"?>
+<p:sld xmlns:a="http://schemas.openxmlformats.org/drawingml/2006/main" xmlns:r="http://schemas.openxmlformats.org/officeDocument/2006/relationships" xmlns:p="http://schemas.openxmlformats.org/presentationml/2006/main">
+  <p:cSld>
+    <p:spTree>
+      <p:nvGrpSpPr>
+        <p:cNvPr id="1" name=""/>
+        <p:cNvGrpSpPr/>
+        <p:nvPr/>
+      </p:nvGrpSpPr>
+      <p:grpSpPr>
+        <a:xfrm>
+          <a:off x="0" y="0"/>
+          <a:ext cx="0" cy="0"/>
+          <a:chOff x="0" y="0"/>
+          <a:chExt cx="0" cy="0"/>
+        </a:xfrm>
+      </p:grpSpPr>
+      <p:pic>
+        <p:nvPicPr>
+          <p:cNvPr id="4" name="內容版面配置區 3"/>
+          <p:cNvPicPr>
+            <a:picLocks noGrp="1" noChangeAspect="1"/>
+          </p:cNvPicPr>
+          <p:nvPr>
+            <p:ph idx="1"/>
+          </p:nvPr>
+        </p:nvPicPr>
+        <p:blipFill>
+          <a:blip r:embed="rId2"/>
+          <a:stretch>
+            <a:fillRect/>
+          </a:stretch>
+        </p:blipFill>
+        <p:spPr>
+          <a:xfrm>
+            <a:off x="1673165" y="317484"/>
+            <a:ext cx="3851089" cy="5035581"/>
+          </a:xfrm>
+          <a:prstGeom prst="rect">
+            <a:avLst/>
+          </a:prstGeom>
+        </p:spPr>
+      </p:pic>
+    </p:spTree>
+    <p:extLst>
+      <p:ext uri="{BB962C8B-B14F-4D97-AF65-F5344CB8AC3E}">
+        <p14:creationId xmlns:p14="http://schemas.microsoft.com/office/powerpoint/2010/main" val="2482578237"/>
+      </p:ext>
+    </p:extLst>
   </p:cSld>
   <p:clrMapOvr>
     <a:masterClrMapping/>

--- a/potato.pptx
+++ b/potato.pptx
@@ -8,7 +8,7 @@
     <p:sldMasterId id="2147483687" r:id="rId4"/>
   </p:sldMasterIdLst>
   <p:notesMasterIdLst>
-    <p:notesMasterId r:id="rId17"/>
+    <p:notesMasterId r:id="rId18"/>
   </p:notesMasterIdLst>
   <p:sldIdLst>
     <p:sldId id="256" r:id="rId5"/>
@@ -21,8 +21,9 @@
     <p:sldId id="266" r:id="rId12"/>
     <p:sldId id="267" r:id="rId13"/>
     <p:sldId id="268" r:id="rId14"/>
-    <p:sldId id="269" r:id="rId15"/>
-    <p:sldId id="270" r:id="rId16"/>
+    <p:sldId id="271" r:id="rId15"/>
+    <p:sldId id="269" r:id="rId16"/>
+    <p:sldId id="270" r:id="rId17"/>
   </p:sldIdLst>
   <p:sldSz cx="10080625" cy="5670550"/>
   <p:notesSz cx="7559675" cy="10691813"/>
@@ -10465,9 +10466,53 @@
           <a:chExt cx="0" cy="0"/>
         </a:xfrm>
       </p:grpSpPr>
+      <p:sp>
+        <p:nvSpPr>
+          <p:cNvPr id="6" name="標題 1">
+            <a:extLst>
+              <a:ext uri="{FF2B5EF4-FFF2-40B4-BE49-F238E27FC236}">
+                <a16:creationId xmlns:a16="http://schemas.microsoft.com/office/drawing/2014/main" id="{A71A5AD0-AACE-4D43-95C1-1277DD003EFF}"/>
+              </a:ext>
+            </a:extLst>
+          </p:cNvPr>
+          <p:cNvSpPr txBox="1">
+            <a:spLocks noGrp="1"/>
+          </p:cNvSpPr>
+          <p:nvPr>
+            <p:ph type="title"/>
+          </p:nvPr>
+        </p:nvSpPr>
+        <p:spPr>
+          <a:xfrm>
+            <a:off x="504490" y="359626"/>
+            <a:ext cx="9071643" cy="575187"/>
+          </a:xfrm>
+        </p:spPr>
+        <p:txBody>
+          <a:bodyPr/>
+          <a:lstStyle/>
+          <a:p>
+            <a:pPr lvl="0"/>
+            <a:r>
+              <a:rPr lang="en-US" sz="2800" spc="0" dirty="0">
+                <a:solidFill>
+                  <a:srgbClr val="000000"/>
+                </a:solidFill>
+              </a:rPr>
+              <a:t>code</a:t>
+            </a:r>
+          </a:p>
+        </p:txBody>
+      </p:sp>
       <p:pic>
         <p:nvPicPr>
-          <p:cNvPr id="14" name="內容版面配置區 13"/>
+          <p:cNvPr id="7" name="內容版面配置區 6">
+            <a:extLst>
+              <a:ext uri="{FF2B5EF4-FFF2-40B4-BE49-F238E27FC236}">
+                <a16:creationId xmlns:a16="http://schemas.microsoft.com/office/drawing/2014/main" id="{4560E1E2-3EC5-499A-A25E-B39B141CBAC5}"/>
+              </a:ext>
+            </a:extLst>
+          </p:cNvPr>
           <p:cNvPicPr>
             <a:picLocks noGrp="1" noChangeAspect="1"/>
           </p:cNvPicPr>
@@ -10489,7 +10534,66 @@
         </p:blipFill>
         <p:spPr>
           <a:xfrm>
-            <a:off x="-1" y="0"/>
+            <a:off x="730066" y="934813"/>
+            <a:ext cx="6843230" cy="4377899"/>
+          </a:xfrm>
+        </p:spPr>
+      </p:pic>
+    </p:spTree>
+    <p:extLst>
+      <p:ext uri="{BB962C8B-B14F-4D97-AF65-F5344CB8AC3E}">
+        <p14:creationId xmlns:p14="http://schemas.microsoft.com/office/powerpoint/2010/main" val="1028154590"/>
+      </p:ext>
+    </p:extLst>
+  </p:cSld>
+  <p:clrMapOvr>
+    <a:masterClrMapping/>
+  </p:clrMapOvr>
+</p:sld>
+</file>
+
+<file path=ppt/slides/slide12.xml><?xml version="1.0" encoding="utf-8"?>
+<p:sld xmlns:a="http://schemas.openxmlformats.org/drawingml/2006/main" xmlns:r="http://schemas.openxmlformats.org/officeDocument/2006/relationships" xmlns:p="http://schemas.openxmlformats.org/presentationml/2006/main">
+  <p:cSld>
+    <p:spTree>
+      <p:nvGrpSpPr>
+        <p:cNvPr id="1" name=""/>
+        <p:cNvGrpSpPr/>
+        <p:nvPr/>
+      </p:nvGrpSpPr>
+      <p:grpSpPr>
+        <a:xfrm>
+          <a:off x="0" y="0"/>
+          <a:ext cx="0" cy="0"/>
+          <a:chOff x="0" y="0"/>
+          <a:chExt cx="0" cy="0"/>
+        </a:xfrm>
+      </p:grpSpPr>
+      <p:pic>
+        <p:nvPicPr>
+          <p:cNvPr id="14" name="內容版面配置區 13"/>
+          <p:cNvPicPr>
+            <a:picLocks noGrp="1" noChangeAspect="1"/>
+          </p:cNvPicPr>
+          <p:nvPr>
+            <p:ph idx="1"/>
+          </p:nvPr>
+        </p:nvPicPr>
+        <p:blipFill>
+          <a:blip r:embed="rId2">
+            <a:extLst>
+              <a:ext uri="{28A0092B-C50C-407E-A947-70E740481C1C}">
+                <a14:useLocalDpi xmlns:a14="http://schemas.microsoft.com/office/drawing/2010/main" val="0"/>
+              </a:ext>
+            </a:extLst>
+          </a:blip>
+          <a:stretch>
+            <a:fillRect/>
+          </a:stretch>
+        </p:blipFill>
+        <p:spPr>
+          <a:xfrm>
+            <a:off x="0" y="0"/>
             <a:ext cx="10080625" cy="6048375"/>
           </a:xfrm>
         </p:spPr>
@@ -10507,7 +10611,7 @@
 </p:sld>
 </file>
 
-<file path=ppt/slides/slide12.xml><?xml version="1.0" encoding="utf-8"?>
+<file path=ppt/slides/slide13.xml><?xml version="1.0" encoding="utf-8"?>
 <p:sld xmlns:a="http://schemas.openxmlformats.org/drawingml/2006/main" xmlns:r="http://schemas.openxmlformats.org/officeDocument/2006/relationships" xmlns:p="http://schemas.openxmlformats.org/presentationml/2006/main">
   <p:cSld>
     <p:spTree>
